--- a/Stress_Prediction/Pre-Defense-Slide-Template.pptx
+++ b/Stress_Prediction/Pre-Defense-Slide-Template.pptx
@@ -273,7 +273,7 @@
               <a:pPr>
                 <a:defRPr/>
               </a:pPr>
-              <a:t>6/2/2023</a:t>
+              <a:t>5/4/2025</a:t>
             </a:fld>
             <a:endParaRPr lang="en-US"/>
           </a:p>
@@ -785,7 +785,7 @@
               <a:pPr>
                 <a:defRPr/>
               </a:pPr>
-              <a:t>6/2/2023</a:t>
+              <a:t>5/4/2025</a:t>
             </a:fld>
             <a:endParaRPr lang="en-US"/>
           </a:p>
@@ -964,7 +964,7 @@
               <a:pPr>
                 <a:defRPr/>
               </a:pPr>
-              <a:t>6/2/2023</a:t>
+              <a:t>5/4/2025</a:t>
             </a:fld>
             <a:endParaRPr lang="en-US"/>
           </a:p>
@@ -1153,7 +1153,7 @@
               <a:pPr>
                 <a:defRPr/>
               </a:pPr>
-              <a:t>6/2/2023</a:t>
+              <a:t>5/4/2025</a:t>
             </a:fld>
             <a:endParaRPr lang="en-US"/>
           </a:p>
@@ -1438,7 +1438,7 @@
               <a:pPr>
                 <a:defRPr/>
               </a:pPr>
-              <a:t>6/2/2023</a:t>
+              <a:t>5/4/2025</a:t>
             </a:fld>
             <a:endParaRPr lang="en-US"/>
           </a:p>
@@ -2086,7 +2086,7 @@
               <a:pPr>
                 <a:defRPr/>
               </a:pPr>
-              <a:t>6/2/2023</a:t>
+              <a:t>5/4/2025</a:t>
             </a:fld>
             <a:endParaRPr lang="en-US"/>
           </a:p>
@@ -2460,7 +2460,7 @@
               <a:pPr>
                 <a:defRPr/>
               </a:pPr>
-              <a:t>6/2/2023</a:t>
+              <a:t>5/4/2025</a:t>
             </a:fld>
             <a:endParaRPr lang="en-US"/>
           </a:p>
@@ -2646,7 +2646,7 @@
               <a:pPr>
                 <a:defRPr/>
               </a:pPr>
-              <a:t>6/2/2023</a:t>
+              <a:t>5/4/2025</a:t>
             </a:fld>
             <a:endParaRPr lang="en-US"/>
           </a:p>
@@ -2902,7 +2902,7 @@
               <a:pPr>
                 <a:defRPr/>
               </a:pPr>
-              <a:t>6/2/2023</a:t>
+              <a:t>5/4/2025</a:t>
             </a:fld>
             <a:endParaRPr lang="en-US"/>
           </a:p>
@@ -3198,7 +3198,7 @@
               <a:pPr>
                 <a:defRPr/>
               </a:pPr>
-              <a:t>6/2/2023</a:t>
+              <a:t>5/4/2025</a:t>
             </a:fld>
             <a:endParaRPr lang="en-US"/>
           </a:p>
@@ -3628,7 +3628,7 @@
               <a:pPr>
                 <a:defRPr/>
               </a:pPr>
-              <a:t>6/2/2023</a:t>
+              <a:t>5/4/2025</a:t>
             </a:fld>
             <a:endParaRPr lang="en-US"/>
           </a:p>
@@ -3756,7 +3756,7 @@
               <a:pPr>
                 <a:defRPr/>
               </a:pPr>
-              <a:t>6/2/2023</a:t>
+              <a:t>5/4/2025</a:t>
             </a:fld>
             <a:endParaRPr lang="en-US"/>
           </a:p>
@@ -3862,7 +3862,7 @@
               <a:pPr>
                 <a:defRPr/>
               </a:pPr>
-              <a:t>6/2/2023</a:t>
+              <a:t>5/4/2025</a:t>
             </a:fld>
             <a:endParaRPr lang="en-US"/>
           </a:p>
@@ -4148,7 +4148,7 @@
               <a:pPr>
                 <a:defRPr/>
               </a:pPr>
-              <a:t>6/2/2023</a:t>
+              <a:t>5/4/2025</a:t>
             </a:fld>
             <a:endParaRPr lang="en-US"/>
           </a:p>
@@ -4414,7 +4414,7 @@
               <a:pPr>
                 <a:defRPr/>
               </a:pPr>
-              <a:t>6/2/2023</a:t>
+              <a:t>5/4/2025</a:t>
             </a:fld>
             <a:endParaRPr lang="en-US"/>
           </a:p>
@@ -4636,7 +4636,7 @@
               <a:pPr>
                 <a:defRPr/>
               </a:pPr>
-              <a:t>6/2/2023</a:t>
+              <a:t>5/4/2025</a:t>
             </a:fld>
             <a:endParaRPr lang="en-US"/>
           </a:p>
@@ -5040,21 +5040,14 @@
               <a:defRPr/>
             </a:pPr>
             <a:r>
-              <a:rPr lang="en-US" sz="3200">
-                <a:solidFill>
-                  <a:srgbClr val="7030A0"/>
-                </a:solidFill>
-              </a:rPr>
-              <a:t>Internship on Computer </a:t>
-            </a:r>
-            <a:r>
-              <a:rPr lang="en-US" sz="3200" dirty="0">
-                <a:solidFill>
-                  <a:srgbClr val="7030A0"/>
-                </a:solidFill>
-              </a:rPr>
-              <a:t>Networking </a:t>
-            </a:r>
+              <a:rPr lang="en-US" sz="3200" dirty="0"/>
+              <a:t>Predicting Student Stress and Smartphone Addiction using Machine Learning</a:t>
+            </a:r>
+            <a:endParaRPr lang="en-US" sz="3200" dirty="0">
+              <a:solidFill>
+                <a:srgbClr val="7030A0"/>
+              </a:solidFill>
+            </a:endParaRPr>
           </a:p>
         </p:txBody>
       </p:sp>
@@ -5479,7 +5472,7 @@
               <a:buChar char="Ø"/>
             </a:pPr>
             <a:r>
-              <a:rPr lang="en-US" sz="2200">
+              <a:rPr lang="en-US" sz="2200" dirty="0">
                 <a:solidFill>
                   <a:schemeClr val="tx1"/>
                 </a:solidFill>
@@ -5488,13 +5481,6 @@
               </a:rPr>
               <a:t>Q &amp; A</a:t>
             </a:r>
-            <a:endParaRPr lang="en-US" sz="2200" dirty="0">
-              <a:solidFill>
-                <a:schemeClr val="tx1"/>
-              </a:solidFill>
-              <a:latin typeface="Times New Roman" panose="02020603050405020304" pitchFamily="18" charset="0"/>
-              <a:cs typeface="Times New Roman" panose="02020603050405020304" pitchFamily="18" charset="0"/>
-            </a:endParaRPr>
           </a:p>
           <a:p>
             <a:pPr>
@@ -5606,101 +5592,67 @@
             <p:ph sz="quarter" idx="13"/>
           </p:nvPr>
         </p:nvSpPr>
-        <p:spPr/>
+        <p:spPr>
+          <a:xfrm>
+            <a:off x="638629" y="1600200"/>
+            <a:ext cx="10972800" cy="3962400"/>
+          </a:xfrm>
+        </p:spPr>
         <p:txBody>
           <a:bodyPr>
             <a:normAutofit/>
           </a:bodyPr>
           <a:lstStyle/>
           <a:p>
-            <a:pPr marL="0" indent="0">
+            <a:pPr marL="0" indent="0" algn="just">
+              <a:lnSpc>
+                <a:spcPct val="150000"/>
+              </a:lnSpc>
               <a:buFont typeface="Wingdings" pitchFamily="2" charset="2"/>
               <a:buChar char="Ø"/>
             </a:pPr>
             <a:r>
-              <a:rPr lang="en-US" sz="2200" dirty="0">
+              <a:rPr lang="en-US" sz="2400" dirty="0">
                 <a:solidFill>
                   <a:schemeClr val="tx1"/>
                 </a:solidFill>
-                <a:latin typeface="Times New Roman" pitchFamily="18" charset="0"/>
-                <a:cs typeface="Times New Roman" pitchFamily="18" charset="0"/>
               </a:rPr>
-              <a:t>To get hands-on experience with advance</a:t>
-            </a:r>
-          </a:p>
-          <a:p>
-            <a:pPr marL="0" indent="0">
-              <a:buNone/>
-            </a:pPr>
-            <a:r>
-              <a:rPr lang="en-US" sz="2200" dirty="0">
-                <a:solidFill>
-                  <a:schemeClr val="tx1"/>
-                </a:solidFill>
-                <a:latin typeface="Times New Roman" pitchFamily="18" charset="0"/>
-                <a:cs typeface="Times New Roman" pitchFamily="18" charset="0"/>
-              </a:rPr>
-              <a:t>    networking.</a:t>
-            </a:r>
-          </a:p>
-          <a:p>
-            <a:pPr marL="285750" indent="-285750">
+              <a:t>Rising smartphone usage is linked to increased student stress and addiction.</a:t>
+            </a:r>
+          </a:p>
+          <a:p>
+            <a:pPr marL="0" indent="0" algn="just">
+              <a:lnSpc>
+                <a:spcPct val="150000"/>
+              </a:lnSpc>
               <a:buFont typeface="Wingdings" pitchFamily="2" charset="2"/>
               <a:buChar char="Ø"/>
             </a:pPr>
             <a:r>
-              <a:rPr lang="en-US" sz="2200" dirty="0">
+              <a:rPr lang="en-US" sz="2400" dirty="0">
                 <a:solidFill>
                   <a:schemeClr val="tx1"/>
                 </a:solidFill>
-                <a:latin typeface="Times New Roman" pitchFamily="18" charset="0"/>
-                <a:cs typeface="Times New Roman" pitchFamily="18" charset="0"/>
               </a:rPr>
-              <a:t>To solve IP sub netting between different networking</a:t>
-            </a:r>
-          </a:p>
-          <a:p>
-            <a:pPr>
-              <a:buNone/>
-            </a:pPr>
-            <a:r>
-              <a:rPr lang="en-US" sz="2200" dirty="0">
-                <a:solidFill>
-                  <a:schemeClr val="tx1"/>
-                </a:solidFill>
-                <a:latin typeface="Times New Roman" pitchFamily="18" charset="0"/>
-                <a:cs typeface="Times New Roman" pitchFamily="18" charset="0"/>
-              </a:rPr>
-              <a:t>	devices.</a:t>
-            </a:r>
-          </a:p>
-          <a:p>
-            <a:pPr>
+              <a:t>These issues affect students' mental health and academic performance.</a:t>
+            </a:r>
+          </a:p>
+          <a:p>
+            <a:pPr marL="0" indent="0" algn="just">
+              <a:lnSpc>
+                <a:spcPct val="150000"/>
+              </a:lnSpc>
               <a:buFont typeface="Wingdings" pitchFamily="2" charset="2"/>
               <a:buChar char="Ø"/>
             </a:pPr>
             <a:r>
-              <a:rPr lang="en-US" sz="2200" dirty="0">
+              <a:rPr lang="en-US" sz="2400" dirty="0">
                 <a:solidFill>
                   <a:schemeClr val="tx1"/>
                 </a:solidFill>
-                <a:latin typeface="Times New Roman" pitchFamily="18" charset="0"/>
-                <a:cs typeface="Times New Roman" pitchFamily="18" charset="0"/>
               </a:rPr>
-              <a:t>To get experience  in real life with computer networking and information security.</a:t>
-            </a:r>
-          </a:p>
-          <a:p>
-            <a:pPr marL="0" indent="0" algn="r">
-              <a:buNone/>
-            </a:pPr>
-            <a:endParaRPr lang="en-US" sz="3000" dirty="0">
-              <a:solidFill>
-                <a:schemeClr val="tx1"/>
-              </a:solidFill>
-              <a:latin typeface="Times New Roman" pitchFamily="18" charset="0"/>
-              <a:cs typeface="Times New Roman" pitchFamily="18" charset="0"/>
-            </a:endParaRPr>
+              <a:t>Machine Learning can provide effective predictions and interventions to address these challenges</a:t>
+            </a:r>
           </a:p>
         </p:txBody>
       </p:sp>
@@ -5819,50 +5771,56 @@
           <a:lstStyle/>
           <a:p>
             <a:pPr>
+              <a:lnSpc>
+                <a:spcPct val="150000"/>
+              </a:lnSpc>
               <a:buFont typeface="Wingdings" pitchFamily="2" charset="2"/>
               <a:buChar char="Ø"/>
             </a:pPr>
             <a:r>
-              <a:rPr lang="en-US" sz="2200" dirty="0">
+              <a:rPr lang="en-US" sz="2400" dirty="0">
                 <a:solidFill>
                   <a:schemeClr val="tx1"/>
                 </a:solidFill>
-                <a:latin typeface="Times New Roman" panose="02020603050405020304" pitchFamily="18" charset="0"/>
                 <a:cs typeface="Times New Roman" panose="02020603050405020304" pitchFamily="18" charset="0"/>
               </a:rPr>
-              <a:t>IP Address and Network Card Issues.</a:t>
+              <a:t>Predict stress and smartphone addiction using ML.</a:t>
             </a:r>
           </a:p>
           <a:p>
             <a:pPr>
+              <a:lnSpc>
+                <a:spcPct val="150000"/>
+              </a:lnSpc>
               <a:buFont typeface="Wingdings" pitchFamily="2" charset="2"/>
               <a:buChar char="Ø"/>
             </a:pPr>
             <a:r>
-              <a:rPr lang="en-US" sz="2200" dirty="0">
+              <a:rPr lang="en-US" sz="2400" dirty="0">
                 <a:solidFill>
                   <a:schemeClr val="tx1"/>
                 </a:solidFill>
-                <a:latin typeface="Times New Roman" panose="02020603050405020304" pitchFamily="18" charset="0"/>
                 <a:cs typeface="Times New Roman" panose="02020603050405020304" pitchFamily="18" charset="0"/>
               </a:rPr>
-              <a:t>Server Connectivity With Networking.</a:t>
+              <a:t>Evaluate various ML models for accuracy.</a:t>
             </a:r>
           </a:p>
           <a:p>
             <a:pPr>
+              <a:lnSpc>
+                <a:spcPct val="150000"/>
+              </a:lnSpc>
               <a:buFont typeface="Wingdings" pitchFamily="2" charset="2"/>
               <a:buChar char="Ø"/>
             </a:pPr>
             <a:r>
-              <a:rPr lang="en-US" sz="2200" dirty="0">
+              <a:rPr lang="en-US" sz="2400" dirty="0">
                 <a:solidFill>
                   <a:schemeClr val="tx1"/>
                 </a:solidFill>
-                <a:latin typeface="Times New Roman" panose="02020603050405020304" pitchFamily="18" charset="0"/>
                 <a:cs typeface="Times New Roman" panose="02020603050405020304" pitchFamily="18" charset="0"/>
               </a:rPr>
-              <a:t>Router Configuration.</a:t>
+              <a:t>Provide intervention recommendations for students.</a:t>
             </a:r>
           </a:p>
           <a:p>
@@ -5994,50 +5952,56 @@
           <a:lstStyle/>
           <a:p>
             <a:pPr marL="0" indent="0">
+              <a:lnSpc>
+                <a:spcPct val="150000"/>
+              </a:lnSpc>
               <a:buFont typeface="Wingdings" pitchFamily="2" charset="2"/>
               <a:buChar char="Ø"/>
             </a:pPr>
             <a:r>
-              <a:rPr lang="en-US" sz="2200" dirty="0">
+              <a:rPr lang="en-US" sz="2400" dirty="0">
                 <a:solidFill>
                   <a:schemeClr val="tx1"/>
                 </a:solidFill>
-                <a:latin typeface="Times New Roman" panose="02020603050405020304" pitchFamily="18" charset="0"/>
                 <a:cs typeface="Times New Roman" panose="02020603050405020304" pitchFamily="18" charset="0"/>
               </a:rPr>
-              <a:t>I will get a good skill on advance computer     	networking.</a:t>
+              <a:t>Best-performing predictive model for stress and addiction.</a:t>
             </a:r>
           </a:p>
           <a:p>
             <a:pPr marL="0" indent="0">
+              <a:lnSpc>
+                <a:spcPct val="150000"/>
+              </a:lnSpc>
               <a:buFont typeface="Wingdings" pitchFamily="2" charset="2"/>
               <a:buChar char="Ø"/>
             </a:pPr>
             <a:r>
-              <a:rPr lang="en-US" sz="2200" dirty="0">
+              <a:rPr lang="en-US" sz="2400" dirty="0">
                 <a:solidFill>
                   <a:schemeClr val="tx1"/>
                 </a:solidFill>
-                <a:latin typeface="Times New Roman" panose="02020603050405020304" pitchFamily="18" charset="0"/>
                 <a:cs typeface="Times New Roman" panose="02020603050405020304" pitchFamily="18" charset="0"/>
               </a:rPr>
-              <a:t>I can get a good job on networking side.</a:t>
+              <a:t>Data-driven insights for personalized interventions.</a:t>
             </a:r>
           </a:p>
           <a:p>
             <a:pPr marL="0" indent="0">
+              <a:lnSpc>
+                <a:spcPct val="150000"/>
+              </a:lnSpc>
               <a:buFont typeface="Wingdings" pitchFamily="2" charset="2"/>
               <a:buChar char="Ø"/>
             </a:pPr>
             <a:r>
-              <a:rPr lang="en-US" sz="2200" dirty="0">
+              <a:rPr lang="en-US" sz="2400" dirty="0">
                 <a:solidFill>
                   <a:schemeClr val="tx1"/>
                 </a:solidFill>
-                <a:latin typeface="Times New Roman" panose="02020603050405020304" pitchFamily="18" charset="0"/>
                 <a:cs typeface="Times New Roman" panose="02020603050405020304" pitchFamily="18" charset="0"/>
               </a:rPr>
-              <a:t>After internship I can use my skill in real life.</a:t>
+              <a:t>Recommendations for reducing student stress.</a:t>
             </a:r>
           </a:p>
           <a:p>
@@ -6125,8 +6089,8 @@
         </p:nvSpPr>
         <p:spPr>
           <a:xfrm>
-            <a:off x="1981200" y="274638"/>
-            <a:ext cx="8229600" cy="868362"/>
+            <a:off x="6433418" y="267929"/>
+            <a:ext cx="4724400" cy="868362"/>
           </a:xfrm>
         </p:spPr>
         <p:txBody>
@@ -6161,7 +6125,12 @@
             <p:ph sz="quarter" idx="13"/>
           </p:nvPr>
         </p:nvSpPr>
-        <p:spPr/>
+        <p:spPr>
+          <a:xfrm>
+            <a:off x="7086600" y="2057400"/>
+            <a:ext cx="3810000" cy="3581400"/>
+          </a:xfrm>
+        </p:spPr>
         <p:txBody>
           <a:bodyPr>
             <a:normAutofit/>
@@ -6173,25 +6142,48 @@
               <a:buChar char="Ø"/>
             </a:pPr>
             <a:r>
-              <a:rPr lang="en-US" sz="2200" dirty="0">
+              <a:rPr lang="en-US" sz="2400" dirty="0">
                 <a:solidFill>
                   <a:schemeClr val="tx1"/>
                 </a:solidFill>
-                <a:latin typeface="Times New Roman" panose="02020603050405020304" pitchFamily="18" charset="0"/>
                 <a:cs typeface="Times New Roman" panose="02020603050405020304" pitchFamily="18" charset="0"/>
               </a:rPr>
-              <a:t>Model/ER-Diagram/Flowchart/Workflow</a:t>
-            </a:r>
-          </a:p>
-          <a:p>
-            <a:pPr marL="0" indent="0" algn="r">
-              <a:buNone/>
-            </a:pPr>
-            <a:endParaRPr lang="en-US" sz="3000" dirty="0">
+              <a:t>Survey data from 1,042 students.</a:t>
+            </a:r>
+          </a:p>
+          <a:p>
+            <a:pPr marL="0" indent="0">
+              <a:buFont typeface="Wingdings" pitchFamily="2" charset="2"/>
+              <a:buChar char="Ø"/>
+            </a:pPr>
+            <a:r>
+              <a:rPr lang="en-US" sz="2400" dirty="0">
+                <a:solidFill>
+                  <a:schemeClr val="tx1"/>
+                </a:solidFill>
+                <a:cs typeface="Times New Roman" panose="02020603050405020304" pitchFamily="18" charset="0"/>
+              </a:rPr>
+              <a:t>ML models: Linear Regression, Random Forest, etc.</a:t>
+            </a:r>
+          </a:p>
+          <a:p>
+            <a:pPr marL="0" indent="0">
+              <a:buFont typeface="Wingdings" pitchFamily="2" charset="2"/>
+              <a:buChar char="Ø"/>
+            </a:pPr>
+            <a:r>
+              <a:rPr lang="pt-BR" sz="2400" dirty="0">
+                <a:solidFill>
+                  <a:schemeClr val="tx1"/>
+                </a:solidFill>
+                <a:cs typeface="Times New Roman" pitchFamily="18" charset="0"/>
+              </a:rPr>
+              <a:t>Metrics: MSE, R², F1 Score.</a:t>
+            </a:r>
+            <a:endParaRPr lang="en-US" sz="2400" dirty="0">
               <a:solidFill>
                 <a:schemeClr val="tx1"/>
               </a:solidFill>
-              <a:latin typeface="Times New Roman" pitchFamily="18" charset="0"/>
               <a:cs typeface="Times New Roman" pitchFamily="18" charset="0"/>
             </a:endParaRPr>
           </a:p>
@@ -6226,6 +6218,47 @@
           </a:p>
         </p:txBody>
       </p:sp>
+      <p:pic>
+        <p:nvPicPr>
+          <p:cNvPr id="6" name="Picture 5" descr="A diagram of a training process&#10;&#10;AI-generated content may be incorrect.">
+            <a:extLst>
+              <a:ext uri="{FF2B5EF4-FFF2-40B4-BE49-F238E27FC236}">
+                <a16:creationId xmlns:a16="http://schemas.microsoft.com/office/drawing/2014/main" id="{B0D6907E-A682-1446-B62D-7D0C0ACA2CE5}"/>
+              </a:ext>
+            </a:extLst>
+          </p:cNvPr>
+          <p:cNvPicPr>
+            <a:picLocks noChangeAspect="1"/>
+          </p:cNvPicPr>
+          <p:nvPr/>
+        </p:nvPicPr>
+        <p:blipFill>
+          <a:blip r:embed="rId2">
+            <a:extLst>
+              <a:ext uri="{28A0092B-C50C-407E-A947-70E740481C1C}">
+                <a14:useLocalDpi xmlns:a14="http://schemas.microsoft.com/office/drawing/2010/main" val="0"/>
+              </a:ext>
+            </a:extLst>
+          </a:blip>
+          <a:srcRect/>
+          <a:stretch>
+            <a:fillRect/>
+          </a:stretch>
+        </p:blipFill>
+        <p:spPr bwMode="auto">
+          <a:xfrm>
+            <a:off x="1034181" y="267929"/>
+            <a:ext cx="5399237" cy="6025814"/>
+          </a:xfrm>
+          <a:prstGeom prst="rect">
+            <a:avLst/>
+          </a:prstGeom>
+          <a:noFill/>
+          <a:ln>
+            <a:noFill/>
+          </a:ln>
+        </p:spPr>
+      </p:pic>
     </p:spTree>
     <p:extLst>
       <p:ext uri="{BB962C8B-B14F-4D97-AF65-F5344CB8AC3E}">
@@ -6296,36 +6329,6 @@
       </p:sp>
       <p:sp>
         <p:nvSpPr>
-          <p:cNvPr id="3" name="Content Placeholder 2"/>
-          <p:cNvSpPr>
-            <a:spLocks noGrp="1"/>
-          </p:cNvSpPr>
-          <p:nvPr>
-            <p:ph sz="quarter" idx="13"/>
-          </p:nvPr>
-        </p:nvSpPr>
-        <p:spPr/>
-        <p:txBody>
-          <a:bodyPr>
-            <a:normAutofit/>
-          </a:bodyPr>
-          <a:lstStyle/>
-          <a:p>
-            <a:pPr marL="0" indent="0" algn="r">
-              <a:buNone/>
-            </a:pPr>
-            <a:endParaRPr lang="en-US" sz="3000" dirty="0">
-              <a:solidFill>
-                <a:schemeClr val="tx1"/>
-              </a:solidFill>
-              <a:latin typeface="Times New Roman" pitchFamily="18" charset="0"/>
-              <a:cs typeface="Times New Roman" pitchFamily="18" charset="0"/>
-            </a:endParaRPr>
-          </a:p>
-        </p:txBody>
-      </p:sp>
-      <p:sp>
-        <p:nvSpPr>
           <p:cNvPr id="4" name="Slide Number Placeholder 3"/>
           <p:cNvSpPr>
             <a:spLocks noGrp="1"/>
@@ -6353,6 +6356,394 @@
           </a:p>
         </p:txBody>
       </p:sp>
+      <p:graphicFrame>
+        <p:nvGraphicFramePr>
+          <p:cNvPr id="6" name="Table 5">
+            <a:extLst>
+              <a:ext uri="{FF2B5EF4-FFF2-40B4-BE49-F238E27FC236}">
+                <a16:creationId xmlns:a16="http://schemas.microsoft.com/office/drawing/2014/main" id="{30886D4A-524C-B9DB-8DA3-42389351EF5C}"/>
+              </a:ext>
+            </a:extLst>
+          </p:cNvPr>
+          <p:cNvGraphicFramePr>
+            <a:graphicFrameLocks noGrp="1"/>
+          </p:cNvGraphicFramePr>
+          <p:nvPr>
+            <p:extLst>
+              <p:ext uri="{D42A27DB-BD31-4B8C-83A1-F6EECF244321}">
+                <p14:modId xmlns:p14="http://schemas.microsoft.com/office/powerpoint/2010/main" val="2880532022"/>
+              </p:ext>
+            </p:extLst>
+          </p:nvPr>
+        </p:nvGraphicFramePr>
+        <p:xfrm>
+          <a:off x="914400" y="1143000"/>
+          <a:ext cx="10668000" cy="4663440"/>
+        </p:xfrm>
+        <a:graphic>
+          <a:graphicData uri="http://schemas.openxmlformats.org/drawingml/2006/table">
+            <a:tbl>
+              <a:tblPr firstRow="1" bandRow="1">
+                <a:tableStyleId>{5C22544A-7EE6-4342-B048-85BDC9FD1C3A}</a:tableStyleId>
+              </a:tblPr>
+              <a:tblGrid>
+                <a:gridCol w="2667000">
+                  <a:extLst>
+                    <a:ext uri="{9D8B030D-6E8A-4147-A177-3AD203B41FA5}">
+                      <a16:colId xmlns:a16="http://schemas.microsoft.com/office/drawing/2014/main" val="3981952952"/>
+                    </a:ext>
+                  </a:extLst>
+                </a:gridCol>
+                <a:gridCol w="2667000">
+                  <a:extLst>
+                    <a:ext uri="{9D8B030D-6E8A-4147-A177-3AD203B41FA5}">
+                      <a16:colId xmlns:a16="http://schemas.microsoft.com/office/drawing/2014/main" val="4054141908"/>
+                    </a:ext>
+                  </a:extLst>
+                </a:gridCol>
+                <a:gridCol w="2667000">
+                  <a:extLst>
+                    <a:ext uri="{9D8B030D-6E8A-4147-A177-3AD203B41FA5}">
+                      <a16:colId xmlns:a16="http://schemas.microsoft.com/office/drawing/2014/main" val="2242299216"/>
+                    </a:ext>
+                  </a:extLst>
+                </a:gridCol>
+                <a:gridCol w="2667000">
+                  <a:extLst>
+                    <a:ext uri="{9D8B030D-6E8A-4147-A177-3AD203B41FA5}">
+                      <a16:colId xmlns:a16="http://schemas.microsoft.com/office/drawing/2014/main" val="818119828"/>
+                    </a:ext>
+                  </a:extLst>
+                </a:gridCol>
+              </a:tblGrid>
+              <a:tr h="457200">
+                <a:tc>
+                  <a:txBody>
+                    <a:bodyPr/>
+                    <a:lstStyle/>
+                    <a:p>
+                      <a:r>
+                        <a:rPr lang="en-US" dirty="0"/>
+                        <a:t>Thesis Name</a:t>
+                      </a:r>
+                    </a:p>
+                  </a:txBody>
+                  <a:tcPr/>
+                </a:tc>
+                <a:tc>
+                  <a:txBody>
+                    <a:bodyPr/>
+                    <a:lstStyle/>
+                    <a:p>
+                      <a:r>
+                        <a:rPr lang="en-US" dirty="0"/>
+                        <a:t>Limitation</a:t>
+                      </a:r>
+                    </a:p>
+                  </a:txBody>
+                  <a:tcPr/>
+                </a:tc>
+                <a:tc>
+                  <a:txBody>
+                    <a:bodyPr/>
+                    <a:lstStyle/>
+                    <a:p>
+                      <a:r>
+                        <a:rPr lang="en-US" dirty="0"/>
+                        <a:t>Models Used</a:t>
+                      </a:r>
+                    </a:p>
+                  </a:txBody>
+                  <a:tcPr/>
+                </a:tc>
+                <a:tc>
+                  <a:txBody>
+                    <a:bodyPr/>
+                    <a:lstStyle/>
+                    <a:p>
+                      <a:r>
+                        <a:rPr lang="en-US" dirty="0"/>
+                        <a:t>Highest Accuracy</a:t>
+                      </a:r>
+                    </a:p>
+                  </a:txBody>
+                  <a:tcPr/>
+                </a:tc>
+                <a:extLst>
+                  <a:ext uri="{0D108BD9-81ED-4DB2-BD59-A6C34878D82A}">
+                    <a16:rowId xmlns:a16="http://schemas.microsoft.com/office/drawing/2014/main" val="3473317174"/>
+                  </a:ext>
+                </a:extLst>
+              </a:tr>
+              <a:tr h="457200">
+                <a:tc>
+                  <a:txBody>
+                    <a:bodyPr/>
+                    <a:lstStyle/>
+                    <a:p>
+                      <a:pPr algn="l"/>
+                      <a:r>
+                        <a:rPr lang="en-US" b="0" dirty="0"/>
+                        <a:t>Predicting Student Stress and Smartphone Addiction Using Machine Learning</a:t>
+                      </a:r>
+                    </a:p>
+                  </a:txBody>
+                  <a:tcPr anchor="ctr"/>
+                </a:tc>
+                <a:tc>
+                  <a:txBody>
+                    <a:bodyPr/>
+                    <a:lstStyle/>
+                    <a:p>
+                      <a:r>
+                        <a:rPr lang="en-US" dirty="0"/>
+                        <a:t>Reliance on self-reported data; limited dataset</a:t>
+                      </a:r>
+                    </a:p>
+                  </a:txBody>
+                  <a:tcPr/>
+                </a:tc>
+                <a:tc>
+                  <a:txBody>
+                    <a:bodyPr/>
+                    <a:lstStyle/>
+                    <a:p>
+                      <a:r>
+                        <a:rPr lang="en-US" b="0" dirty="0"/>
+                        <a:t>SVM, Random Forest and Gradient Boosting</a:t>
+                      </a:r>
+                    </a:p>
+                  </a:txBody>
+                  <a:tcPr/>
+                </a:tc>
+                <a:tc>
+                  <a:txBody>
+                    <a:bodyPr/>
+                    <a:lstStyle/>
+                    <a:p>
+                      <a:r>
+                        <a:rPr lang="en-US" b="0" dirty="0"/>
+                        <a:t>SVM: 95% accuracy in stress prediction</a:t>
+                      </a:r>
+                    </a:p>
+                  </a:txBody>
+                  <a:tcPr/>
+                </a:tc>
+                <a:extLst>
+                  <a:ext uri="{0D108BD9-81ED-4DB2-BD59-A6C34878D82A}">
+                    <a16:rowId xmlns:a16="http://schemas.microsoft.com/office/drawing/2014/main" val="1312087282"/>
+                  </a:ext>
+                </a:extLst>
+              </a:tr>
+              <a:tr h="594360">
+                <a:tc>
+                  <a:txBody>
+                    <a:bodyPr/>
+                    <a:lstStyle/>
+                    <a:p>
+                      <a:r>
+                        <a:rPr lang="en-US" dirty="0"/>
+                        <a:t>Machine Learning for Smartphone Addiction Prediction in Students</a:t>
+                      </a:r>
+                    </a:p>
+                  </a:txBody>
+                  <a:tcPr/>
+                </a:tc>
+                <a:tc>
+                  <a:txBody>
+                    <a:bodyPr/>
+                    <a:lstStyle/>
+                    <a:p>
+                      <a:r>
+                        <a:rPr lang="en-US" dirty="0"/>
+                        <a:t>Lack of personality and mental health history data; no real-time monitoring</a:t>
+                      </a:r>
+                    </a:p>
+                  </a:txBody>
+                  <a:tcPr/>
+                </a:tc>
+                <a:tc>
+                  <a:txBody>
+                    <a:bodyPr/>
+                    <a:lstStyle/>
+                    <a:p>
+                      <a:r>
+                        <a:rPr lang="en-US" b="0" dirty="0" err="1"/>
+                        <a:t>CatBoost</a:t>
+                      </a:r>
+                      <a:r>
+                        <a:rPr lang="en-US" b="0" dirty="0"/>
+                        <a:t>, </a:t>
+                      </a:r>
+                      <a:r>
+                        <a:rPr lang="en-US" b="0" dirty="0" err="1"/>
+                        <a:t>XGBoost</a:t>
+                      </a:r>
+                      <a:r>
+                        <a:rPr lang="en-US" b="0" dirty="0"/>
+                        <a:t> and Random Forest</a:t>
+                      </a:r>
+                    </a:p>
+                  </a:txBody>
+                  <a:tcPr/>
+                </a:tc>
+                <a:tc>
+                  <a:txBody>
+                    <a:bodyPr/>
+                    <a:lstStyle/>
+                    <a:p>
+                      <a:r>
+                        <a:rPr lang="en-US" b="0" dirty="0" err="1"/>
+                        <a:t>CatBoost</a:t>
+                      </a:r>
+                      <a:r>
+                        <a:rPr lang="en-US" b="0" dirty="0"/>
+                        <a:t> : R² of 0.792, MSE of 1.634</a:t>
+                      </a:r>
+                    </a:p>
+                  </a:txBody>
+                  <a:tcPr/>
+                </a:tc>
+                <a:extLst>
+                  <a:ext uri="{0D108BD9-81ED-4DB2-BD59-A6C34878D82A}">
+                    <a16:rowId xmlns:a16="http://schemas.microsoft.com/office/drawing/2014/main" val="4247896622"/>
+                  </a:ext>
+                </a:extLst>
+              </a:tr>
+              <a:tr h="457200">
+                <a:tc>
+                  <a:txBody>
+                    <a:bodyPr/>
+                    <a:lstStyle/>
+                    <a:p>
+                      <a:r>
+                        <a:rPr lang="en-US" b="0" dirty="0"/>
+                        <a:t>Using </a:t>
+                      </a:r>
+                      <a:r>
+                        <a:rPr lang="en-US" b="0" dirty="0" err="1"/>
+                        <a:t>ElasticNet</a:t>
+                      </a:r>
+                      <a:r>
+                        <a:rPr lang="en-US" b="0" dirty="0"/>
+                        <a:t> for Predicting Stress and Smartphone Addiction</a:t>
+                      </a:r>
+                    </a:p>
+                  </a:txBody>
+                  <a:tcPr anchor="ctr"/>
+                </a:tc>
+                <a:tc>
+                  <a:txBody>
+                    <a:bodyPr/>
+                    <a:lstStyle/>
+                    <a:p>
+                      <a:r>
+                        <a:rPr lang="en-US" dirty="0"/>
+                        <a:t>Limited feature selection.</a:t>
+                      </a:r>
+                    </a:p>
+                  </a:txBody>
+                  <a:tcPr anchor="ctr"/>
+                </a:tc>
+                <a:tc>
+                  <a:txBody>
+                    <a:bodyPr/>
+                    <a:lstStyle/>
+                    <a:p>
+                      <a:r>
+                        <a:rPr lang="en-US" b="0" dirty="0" err="1"/>
+                        <a:t>ElasticNet</a:t>
+                      </a:r>
+                      <a:r>
+                        <a:rPr lang="en-US" b="0" dirty="0"/>
+                        <a:t> , SVR</a:t>
+                      </a:r>
+                    </a:p>
+                  </a:txBody>
+                  <a:tcPr/>
+                </a:tc>
+                <a:tc>
+                  <a:txBody>
+                    <a:bodyPr/>
+                    <a:lstStyle/>
+                    <a:p>
+                      <a:r>
+                        <a:rPr lang="en-US" b="0" dirty="0"/>
+                        <a:t>SVR: 94% accuracy in addiction prediction</a:t>
+                      </a:r>
+                    </a:p>
+                  </a:txBody>
+                  <a:tcPr/>
+                </a:tc>
+                <a:extLst>
+                  <a:ext uri="{0D108BD9-81ED-4DB2-BD59-A6C34878D82A}">
+                    <a16:rowId xmlns:a16="http://schemas.microsoft.com/office/drawing/2014/main" val="3867063387"/>
+                  </a:ext>
+                </a:extLst>
+              </a:tr>
+              <a:tr h="457200">
+                <a:tc>
+                  <a:txBody>
+                    <a:bodyPr/>
+                    <a:lstStyle/>
+                    <a:p>
+                      <a:r>
+                        <a:rPr lang="en-US" b="0" dirty="0"/>
+                        <a:t>Ensemble Models for Stress and Smartphone Addiction Prediction</a:t>
+                      </a:r>
+                    </a:p>
+                  </a:txBody>
+                  <a:tcPr anchor="ctr"/>
+                </a:tc>
+                <a:tc>
+                  <a:txBody>
+                    <a:bodyPr/>
+                    <a:lstStyle/>
+                    <a:p>
+                      <a:r>
+                        <a:rPr lang="en-US" dirty="0"/>
+                        <a:t>Limited integration of complex data sources; small sample size</a:t>
+                      </a:r>
+                    </a:p>
+                  </a:txBody>
+                  <a:tcPr/>
+                </a:tc>
+                <a:tc>
+                  <a:txBody>
+                    <a:bodyPr/>
+                    <a:lstStyle/>
+                    <a:p>
+                      <a:r>
+                        <a:rPr lang="en-US" b="0" dirty="0"/>
+                        <a:t>Random Forest, Gradient Boosting</a:t>
+                      </a:r>
+                    </a:p>
+                  </a:txBody>
+                  <a:tcPr/>
+                </a:tc>
+                <a:tc>
+                  <a:txBody>
+                    <a:bodyPr/>
+                    <a:lstStyle/>
+                    <a:p>
+                      <a:r>
+                        <a:rPr lang="en-US" b="0" dirty="0"/>
+                        <a:t>Random Forest: R² of 0.8601 for addiction prediction</a:t>
+                      </a:r>
+                    </a:p>
+                  </a:txBody>
+                  <a:tcPr/>
+                </a:tc>
+                <a:extLst>
+                  <a:ext uri="{0D108BD9-81ED-4DB2-BD59-A6C34878D82A}">
+                    <a16:rowId xmlns:a16="http://schemas.microsoft.com/office/drawing/2014/main" val="592276597"/>
+                  </a:ext>
+                </a:extLst>
+              </a:tr>
+            </a:tbl>
+          </a:graphicData>
+        </a:graphic>
+      </p:graphicFrame>
     </p:spTree>
     <p:extLst>
       <p:ext uri="{BB962C8B-B14F-4D97-AF65-F5344CB8AC3E}">
@@ -6423,44 +6814,6 @@
       </p:sp>
       <p:sp>
         <p:nvSpPr>
-          <p:cNvPr id="3" name="Content Placeholder 2"/>
-          <p:cNvSpPr>
-            <a:spLocks noGrp="1"/>
-          </p:cNvSpPr>
-          <p:nvPr>
-            <p:ph sz="quarter" idx="13"/>
-          </p:nvPr>
-        </p:nvSpPr>
-        <p:spPr>
-          <a:xfrm>
-            <a:off x="533400" y="1676400"/>
-            <a:ext cx="11049000" cy="3962400"/>
-          </a:xfrm>
-        </p:spPr>
-        <p:txBody>
-          <a:bodyPr>
-            <a:normAutofit/>
-          </a:bodyPr>
-          <a:lstStyle/>
-          <a:p>
-            <a:pPr marL="0" indent="0">
-              <a:buNone/>
-            </a:pPr>
-            <a:r>
-              <a:rPr lang="en-US" sz="2200" dirty="0">
-                <a:solidFill>
-                  <a:schemeClr val="tx1"/>
-                </a:solidFill>
-                <a:latin typeface="Times New Roman" pitchFamily="18" charset="0"/>
-                <a:cs typeface="Times New Roman" pitchFamily="18" charset="0"/>
-              </a:rPr>
-              <a:t>At this point, you should be familiar with some basic networking terminology and be able to understand how different components are able to communicate with each other. This should assist you in understanding other articles and the documentation of your system.</a:t>
-            </a:r>
-          </a:p>
-        </p:txBody>
-      </p:sp>
-      <p:sp>
-        <p:nvSpPr>
           <p:cNvPr id="4" name="Slide Number Placeholder 3"/>
           <p:cNvSpPr>
             <a:spLocks noGrp="1"/>
@@ -6485,6 +6838,104 @@
               <a:t>8</a:t>
             </a:fld>
             <a:endParaRPr lang="en-US" dirty="0"/>
+          </a:p>
+        </p:txBody>
+      </p:sp>
+      <p:sp>
+        <p:nvSpPr>
+          <p:cNvPr id="6" name="Rectangle 2">
+            <a:extLst>
+              <a:ext uri="{FF2B5EF4-FFF2-40B4-BE49-F238E27FC236}">
+                <a16:creationId xmlns:a16="http://schemas.microsoft.com/office/drawing/2014/main" id="{138B3F1F-9D10-CACF-591E-3D129734FD19}"/>
+              </a:ext>
+            </a:extLst>
+          </p:cNvPr>
+          <p:cNvSpPr>
+            <a:spLocks noGrp="1" noChangeArrowheads="1"/>
+          </p:cNvSpPr>
+          <p:nvPr>
+            <p:ph sz="quarter" idx="13"/>
+          </p:nvPr>
+        </p:nvSpPr>
+        <p:spPr bwMode="auto">
+          <a:xfrm>
+            <a:off x="685800" y="1696998"/>
+            <a:ext cx="10591800" cy="2251065"/>
+          </a:xfrm>
+          <a:prstGeom prst="rect">
+            <a:avLst/>
+          </a:prstGeom>
+          <a:noFill/>
+          <a:ln>
+            <a:noFill/>
+          </a:ln>
+          <a:effectLst/>
+          <a:extLst>
+            <a:ext uri="{909E8E84-426E-40DD-AFC4-6F175D3DCCD1}">
+              <a14:hiddenFill xmlns:a14="http://schemas.microsoft.com/office/drawing/2010/main">
+                <a:solidFill>
+                  <a:schemeClr val="accent1"/>
+                </a:solidFill>
+              </a14:hiddenFill>
+            </a:ext>
+            <a:ext uri="{91240B29-F687-4F45-9708-019B960494DF}">
+              <a14:hiddenLine xmlns:a14="http://schemas.microsoft.com/office/drawing/2010/main" w="9525">
+                <a:solidFill>
+                  <a:schemeClr val="tx1"/>
+                </a:solidFill>
+                <a:miter lim="800000"/>
+                <a:headEnd/>
+                <a:tailEnd/>
+              </a14:hiddenLine>
+            </a:ext>
+            <a:ext uri="{AF507438-7753-43E0-B8FC-AC1667EBCBE1}">
+              <a14:hiddenEffects xmlns:a14="http://schemas.microsoft.com/office/drawing/2010/main">
+                <a:effectLst>
+                  <a:outerShdw dist="35921" dir="2700000" algn="ctr" rotWithShape="0">
+                    <a:schemeClr val="bg2"/>
+                  </a:outerShdw>
+                </a:effectLst>
+              </a14:hiddenEffects>
+            </a:ext>
+          </a:extLst>
+        </p:spPr>
+        <p:txBody>
+          <a:bodyPr vert="horz" wrap="square" lIns="91440" tIns="45720" rIns="91440" bIns="45720" numCol="1" anchor="ctr" anchorCtr="0" compatLnSpc="1">
+            <a:prstTxWarp prst="textNoShape">
+              <a:avLst/>
+            </a:prstTxWarp>
+            <a:spAutoFit/>
+          </a:bodyPr>
+          <a:lstStyle/>
+          <a:p>
+            <a:pPr marL="0" marR="0" lvl="0" indent="0" algn="just" defTabSz="914400" rtl="0" eaLnBrk="0" fontAlgn="base" latinLnBrk="0" hangingPunct="0">
+              <a:lnSpc>
+                <a:spcPct val="150000"/>
+              </a:lnSpc>
+              <a:spcBef>
+                <a:spcPct val="0"/>
+              </a:spcBef>
+              <a:spcAft>
+                <a:spcPct val="0"/>
+              </a:spcAft>
+              <a:buClrTx/>
+              <a:buSzTx/>
+              <a:buFontTx/>
+              <a:buNone/>
+              <a:tabLst/>
+            </a:pPr>
+            <a:r>
+              <a:rPr kumimoji="0" lang="en-US" altLang="en-US" sz="2400" b="0" i="0" u="none" strike="noStrike" cap="none" normalizeH="0" baseline="0" dirty="0">
+                <a:ln>
+                  <a:noFill/>
+                </a:ln>
+                <a:solidFill>
+                  <a:schemeClr val="tx1"/>
+                </a:solidFill>
+                <a:effectLst/>
+              </a:rPr>
+              <a:t>The study demonstrates that machine learning models can effectively predict student stress and smartphone addiction, providing valuable insights for intervention. These findings offer a foundation for educational institutions to implement targeted support systems for student well-being.</a:t>
+            </a:r>
           </a:p>
         </p:txBody>
       </p:sp>

--- a/Stress_Prediction/Pre-Defense-Slide-Template.pptx
+++ b/Stress_Prediction/Pre-Defense-Slide-Template.pptx
@@ -5,7 +5,7 @@
     <p:sldMasterId id="2147483659" r:id="rId1"/>
   </p:sldMasterIdLst>
   <p:notesMasterIdLst>
-    <p:notesMasterId r:id="rId11"/>
+    <p:notesMasterId r:id="rId13"/>
   </p:notesMasterIdLst>
   <p:sldIdLst>
     <p:sldId id="256" r:id="rId2"/>
@@ -13,10 +13,12 @@
     <p:sldId id="280" r:id="rId4"/>
     <p:sldId id="293" r:id="rId5"/>
     <p:sldId id="294" r:id="rId6"/>
-    <p:sldId id="297" r:id="rId7"/>
-    <p:sldId id="296" r:id="rId8"/>
-    <p:sldId id="291" r:id="rId9"/>
-    <p:sldId id="295" r:id="rId10"/>
+    <p:sldId id="296" r:id="rId7"/>
+    <p:sldId id="297" r:id="rId8"/>
+    <p:sldId id="298" r:id="rId9"/>
+    <p:sldId id="291" r:id="rId10"/>
+    <p:sldId id="299" r:id="rId11"/>
+    <p:sldId id="295" r:id="rId12"/>
   </p:sldIdLst>
   <p:sldSz cx="12192000" cy="6858000"/>
   <p:notesSz cx="6858000" cy="9144000"/>
@@ -5315,6 +5317,391 @@
 </p:sld>
 </file>
 
+<file path=ppt/slides/slide10.xml><?xml version="1.0" encoding="utf-8"?>
+<p:sld xmlns:a="http://schemas.openxmlformats.org/drawingml/2006/main" xmlns:r="http://schemas.openxmlformats.org/officeDocument/2006/relationships" xmlns:p="http://schemas.openxmlformats.org/presentationml/2006/main">
+  <p:cSld>
+    <p:spTree>
+      <p:nvGrpSpPr>
+        <p:cNvPr id="1" name="">
+          <a:extLst>
+            <a:ext uri="{FF2B5EF4-FFF2-40B4-BE49-F238E27FC236}">
+              <a16:creationId xmlns:a16="http://schemas.microsoft.com/office/drawing/2014/main" id="{A59BAAE9-3B4C-FCEC-50FC-12FB4062A64C}"/>
+            </a:ext>
+          </a:extLst>
+        </p:cNvPr>
+        <p:cNvGrpSpPr/>
+        <p:nvPr/>
+      </p:nvGrpSpPr>
+      <p:grpSpPr>
+        <a:xfrm>
+          <a:off x="0" y="0"/>
+          <a:ext cx="0" cy="0"/>
+          <a:chOff x="0" y="0"/>
+          <a:chExt cx="0" cy="0"/>
+        </a:xfrm>
+      </p:grpSpPr>
+      <p:sp>
+        <p:nvSpPr>
+          <p:cNvPr id="2" name="Title 1">
+            <a:extLst>
+              <a:ext uri="{FF2B5EF4-FFF2-40B4-BE49-F238E27FC236}">
+                <a16:creationId xmlns:a16="http://schemas.microsoft.com/office/drawing/2014/main" id="{9801CA16-AE0D-D369-FE42-59C7313CB16E}"/>
+              </a:ext>
+            </a:extLst>
+          </p:cNvPr>
+          <p:cNvSpPr>
+            <a:spLocks noGrp="1"/>
+          </p:cNvSpPr>
+          <p:nvPr>
+            <p:ph type="title"/>
+          </p:nvPr>
+        </p:nvSpPr>
+        <p:spPr>
+          <a:xfrm>
+            <a:off x="1981200" y="274638"/>
+            <a:ext cx="8229600" cy="868362"/>
+          </a:xfrm>
+        </p:spPr>
+        <p:txBody>
+          <a:bodyPr/>
+          <a:lstStyle/>
+          <a:p>
+            <a:r>
+              <a:rPr lang="en-US" dirty="0">
+                <a:solidFill>
+                  <a:srgbClr val="7030A0"/>
+                </a:solidFill>
+                <a:latin typeface="Times New Roman" pitchFamily="18" charset="0"/>
+                <a:cs typeface="Times New Roman" pitchFamily="18" charset="0"/>
+              </a:rPr>
+              <a:t>References</a:t>
+            </a:r>
+            <a:endParaRPr lang="en-US" dirty="0">
+              <a:solidFill>
+                <a:srgbClr val="7030A0"/>
+              </a:solidFill>
+            </a:endParaRPr>
+          </a:p>
+        </p:txBody>
+      </p:sp>
+      <p:sp>
+        <p:nvSpPr>
+          <p:cNvPr id="3" name="Content Placeholder 2">
+            <a:extLst>
+              <a:ext uri="{FF2B5EF4-FFF2-40B4-BE49-F238E27FC236}">
+                <a16:creationId xmlns:a16="http://schemas.microsoft.com/office/drawing/2014/main" id="{7540A3B3-C4C8-D937-C000-D8A95AA34084}"/>
+              </a:ext>
+            </a:extLst>
+          </p:cNvPr>
+          <p:cNvSpPr>
+            <a:spLocks noGrp="1"/>
+          </p:cNvSpPr>
+          <p:nvPr>
+            <p:ph sz="quarter" idx="13"/>
+          </p:nvPr>
+        </p:nvSpPr>
+        <p:spPr>
+          <a:xfrm>
+            <a:off x="533400" y="1676400"/>
+            <a:ext cx="11049000" cy="3962400"/>
+          </a:xfrm>
+        </p:spPr>
+        <p:txBody>
+          <a:bodyPr>
+            <a:normAutofit/>
+          </a:bodyPr>
+          <a:lstStyle/>
+          <a:p>
+            <a:pPr marL="0" indent="0" algn="just">
+              <a:buNone/>
+            </a:pPr>
+            <a:r>
+              <a:rPr lang="en-US" sz="2000" b="1" dirty="0">
+                <a:solidFill>
+                  <a:schemeClr val="tx1"/>
+                </a:solidFill>
+                <a:latin typeface="Times New Roman" panose="02020603050405020304" pitchFamily="18" charset="0"/>
+                <a:cs typeface="Times New Roman" panose="02020603050405020304" pitchFamily="18" charset="0"/>
+              </a:rPr>
+              <a:t>Akter, S., &amp; Akter, S. (2025).</a:t>
+            </a:r>
+            <a:r>
+              <a:rPr lang="en-US" sz="2000" dirty="0">
+                <a:solidFill>
+                  <a:schemeClr val="tx1"/>
+                </a:solidFill>
+                <a:latin typeface="Times New Roman" panose="02020603050405020304" pitchFamily="18" charset="0"/>
+                <a:cs typeface="Times New Roman" panose="02020603050405020304" pitchFamily="18" charset="0"/>
+              </a:rPr>
+              <a:t> Predicting Student Stress and Smartphone Addiction using Machine Learning. Final Year Design Project Report, Department of Computer Science and Engineering, Daffodil International University</a:t>
+            </a:r>
+          </a:p>
+          <a:p>
+            <a:pPr marL="0" indent="0" algn="just">
+              <a:buNone/>
+            </a:pPr>
+            <a:r>
+              <a:rPr lang="en-US" sz="2000" b="1" dirty="0">
+                <a:solidFill>
+                  <a:schemeClr val="tx1"/>
+                </a:solidFill>
+                <a:latin typeface="Times New Roman" panose="02020603050405020304" pitchFamily="18" charset="0"/>
+                <a:cs typeface="Times New Roman" panose="02020603050405020304" pitchFamily="18" charset="0"/>
+              </a:rPr>
+              <a:t>Singh, et al. (2024).</a:t>
+            </a:r>
+            <a:r>
+              <a:rPr lang="en-US" sz="2000" dirty="0">
+                <a:solidFill>
+                  <a:schemeClr val="tx1"/>
+                </a:solidFill>
+                <a:latin typeface="Times New Roman" panose="02020603050405020304" pitchFamily="18" charset="0"/>
+                <a:cs typeface="Times New Roman" panose="02020603050405020304" pitchFamily="18" charset="0"/>
+              </a:rPr>
+              <a:t> Machine Learning Algorithms for Detecting Mental Stress in College Students. Journal of Computer Science, 843 students surveyed. AIIMS Raipur, India.</a:t>
+            </a:r>
+          </a:p>
+          <a:p>
+            <a:pPr marL="0" indent="0" algn="just">
+              <a:buNone/>
+            </a:pPr>
+            <a:r>
+              <a:rPr lang="en-US" sz="2000" b="1" dirty="0">
+                <a:solidFill>
+                  <a:schemeClr val="tx1"/>
+                </a:solidFill>
+                <a:latin typeface="Times New Roman" panose="02020603050405020304" pitchFamily="18" charset="0"/>
+                <a:cs typeface="Times New Roman" panose="02020603050405020304" pitchFamily="18" charset="0"/>
+              </a:rPr>
+              <a:t>Arya, S., Anju, A., &amp; Ramli, N. A. (2024).</a:t>
+            </a:r>
+            <a:r>
+              <a:rPr lang="en-US" sz="2000" dirty="0">
+                <a:solidFill>
+                  <a:schemeClr val="tx1"/>
+                </a:solidFill>
+                <a:latin typeface="Times New Roman" panose="02020603050405020304" pitchFamily="18" charset="0"/>
+                <a:cs typeface="Times New Roman" panose="02020603050405020304" pitchFamily="18" charset="0"/>
+              </a:rPr>
+              <a:t> Predicting the Stress Level of Students Using Supervised Machine Learning and Artificial Neural Networks. Tribhuvan University, Nepal.</a:t>
+            </a:r>
+          </a:p>
+          <a:p>
+            <a:pPr marL="0" indent="0" algn="just">
+              <a:buNone/>
+            </a:pPr>
+            <a:r>
+              <a:rPr lang="en-US" sz="2000" b="1" dirty="0">
+                <a:solidFill>
+                  <a:schemeClr val="tx1"/>
+                </a:solidFill>
+                <a:latin typeface="Times New Roman" panose="02020603050405020304" pitchFamily="18" charset="0"/>
+                <a:cs typeface="Times New Roman" panose="02020603050405020304" pitchFamily="18" charset="0"/>
+              </a:rPr>
+              <a:t>Lee, S., &amp; Kim, J. (2021).</a:t>
+            </a:r>
+            <a:r>
+              <a:rPr lang="en-US" sz="2000" dirty="0">
+                <a:solidFill>
+                  <a:schemeClr val="tx1"/>
+                </a:solidFill>
+                <a:latin typeface="Times New Roman" panose="02020603050405020304" pitchFamily="18" charset="0"/>
+                <a:cs typeface="Times New Roman" panose="02020603050405020304" pitchFamily="18" charset="0"/>
+              </a:rPr>
+              <a:t> Prediction of Problematic Smartphone Use: A Machine Learning Approach. KISA Survey, South Korea</a:t>
+            </a:r>
+          </a:p>
+          <a:p>
+            <a:pPr marL="0" indent="0" algn="just">
+              <a:buNone/>
+            </a:pPr>
+            <a:r>
+              <a:rPr lang="en-US" sz="2000" b="1" dirty="0">
+                <a:solidFill>
+                  <a:schemeClr val="tx1"/>
+                </a:solidFill>
+                <a:latin typeface="Times New Roman" panose="02020603050405020304" pitchFamily="18" charset="0"/>
+                <a:cs typeface="Times New Roman" panose="02020603050405020304" pitchFamily="18" charset="0"/>
+              </a:rPr>
+              <a:t>Raj, A., et al. (2024).</a:t>
+            </a:r>
+            <a:r>
+              <a:rPr lang="en-US" sz="2000" dirty="0">
+                <a:solidFill>
+                  <a:schemeClr val="tx1"/>
+                </a:solidFill>
+                <a:latin typeface="Times New Roman" panose="02020603050405020304" pitchFamily="18" charset="0"/>
+                <a:cs typeface="Times New Roman" panose="02020603050405020304" pitchFamily="18" charset="0"/>
+              </a:rPr>
+              <a:t> Machine Learning Model for Prediction of Smartphone Addiction. Public Database of 5,000 records.</a:t>
+            </a:r>
+          </a:p>
+        </p:txBody>
+      </p:sp>
+      <p:sp>
+        <p:nvSpPr>
+          <p:cNvPr id="4" name="Slide Number Placeholder 3">
+            <a:extLst>
+              <a:ext uri="{FF2B5EF4-FFF2-40B4-BE49-F238E27FC236}">
+                <a16:creationId xmlns:a16="http://schemas.microsoft.com/office/drawing/2014/main" id="{F97097F1-FADA-324C-E90E-73FFCAEF9034}"/>
+              </a:ext>
+            </a:extLst>
+          </p:cNvPr>
+          <p:cNvSpPr>
+            <a:spLocks noGrp="1"/>
+          </p:cNvSpPr>
+          <p:nvPr>
+            <p:ph type="sldNum" sz="quarter" idx="16"/>
+          </p:nvPr>
+        </p:nvSpPr>
+        <p:spPr/>
+        <p:txBody>
+          <a:bodyPr/>
+          <a:lstStyle/>
+          <a:p>
+            <a:pPr>
+              <a:defRPr/>
+            </a:pPr>
+            <a:fld id="{4CD333A3-7515-47B8-9EDC-EE0892D9C861}" type="slidenum">
+              <a:rPr lang="en-US" smtClean="0"/>
+              <a:pPr>
+                <a:defRPr/>
+              </a:pPr>
+              <a:t>10</a:t>
+            </a:fld>
+            <a:endParaRPr lang="en-US" dirty="0"/>
+          </a:p>
+        </p:txBody>
+      </p:sp>
+    </p:spTree>
+    <p:extLst>
+      <p:ext uri="{BB962C8B-B14F-4D97-AF65-F5344CB8AC3E}">
+        <p14:creationId xmlns:p14="http://schemas.microsoft.com/office/powerpoint/2010/main" val="1905469527"/>
+      </p:ext>
+    </p:extLst>
+  </p:cSld>
+  <p:clrMapOvr>
+    <a:masterClrMapping/>
+  </p:clrMapOvr>
+</p:sld>
+</file>
+
+<file path=ppt/slides/slide11.xml><?xml version="1.0" encoding="utf-8"?>
+<p:sld xmlns:a="http://schemas.openxmlformats.org/drawingml/2006/main" xmlns:r="http://schemas.openxmlformats.org/officeDocument/2006/relationships" xmlns:p="http://schemas.openxmlformats.org/presentationml/2006/main">
+  <p:cSld>
+    <p:spTree>
+      <p:nvGrpSpPr>
+        <p:cNvPr id="1" name=""/>
+        <p:cNvGrpSpPr/>
+        <p:nvPr/>
+      </p:nvGrpSpPr>
+      <p:grpSpPr>
+        <a:xfrm>
+          <a:off x="0" y="0"/>
+          <a:ext cx="0" cy="0"/>
+          <a:chOff x="0" y="0"/>
+          <a:chExt cx="0" cy="0"/>
+        </a:xfrm>
+      </p:grpSpPr>
+      <p:sp>
+        <p:nvSpPr>
+          <p:cNvPr id="3" name="Content Placeholder 2"/>
+          <p:cNvSpPr>
+            <a:spLocks noGrp="1"/>
+          </p:cNvSpPr>
+          <p:nvPr>
+            <p:ph sz="quarter" idx="13"/>
+          </p:nvPr>
+        </p:nvSpPr>
+        <p:spPr/>
+        <p:txBody>
+          <a:bodyPr>
+            <a:normAutofit/>
+          </a:bodyPr>
+          <a:lstStyle/>
+          <a:p>
+            <a:pPr marL="0" indent="0" algn="ctr">
+              <a:buNone/>
+            </a:pPr>
+            <a:endParaRPr lang="en-US" sz="6000" b="1" dirty="0">
+              <a:solidFill>
+                <a:srgbClr val="7030A0"/>
+              </a:solidFill>
+              <a:latin typeface="Times New Roman" pitchFamily="18" charset="0"/>
+              <a:cs typeface="Times New Roman" pitchFamily="18" charset="0"/>
+            </a:endParaRPr>
+          </a:p>
+          <a:p>
+            <a:pPr marL="0" indent="0" algn="ctr">
+              <a:buNone/>
+            </a:pPr>
+            <a:r>
+              <a:rPr lang="en-US" sz="6000" b="1" dirty="0">
+                <a:solidFill>
+                  <a:srgbClr val="7030A0"/>
+                </a:solidFill>
+                <a:latin typeface="Times New Roman" pitchFamily="18" charset="0"/>
+                <a:cs typeface="Times New Roman" pitchFamily="18" charset="0"/>
+              </a:rPr>
+              <a:t>THANK YOU</a:t>
+            </a:r>
+          </a:p>
+          <a:p>
+            <a:pPr marL="0" indent="0" algn="r">
+              <a:buNone/>
+            </a:pPr>
+            <a:endParaRPr lang="en-US" sz="3000" dirty="0">
+              <a:solidFill>
+                <a:schemeClr val="tx1"/>
+              </a:solidFill>
+              <a:latin typeface="Times New Roman" pitchFamily="18" charset="0"/>
+              <a:cs typeface="Times New Roman" pitchFamily="18" charset="0"/>
+            </a:endParaRPr>
+          </a:p>
+        </p:txBody>
+      </p:sp>
+      <p:sp>
+        <p:nvSpPr>
+          <p:cNvPr id="4" name="Slide Number Placeholder 3"/>
+          <p:cNvSpPr>
+            <a:spLocks noGrp="1"/>
+          </p:cNvSpPr>
+          <p:nvPr>
+            <p:ph type="sldNum" sz="quarter" idx="16"/>
+          </p:nvPr>
+        </p:nvSpPr>
+        <p:spPr/>
+        <p:txBody>
+          <a:bodyPr/>
+          <a:lstStyle/>
+          <a:p>
+            <a:pPr>
+              <a:defRPr/>
+            </a:pPr>
+            <a:fld id="{4CD333A3-7515-47B8-9EDC-EE0892D9C861}" type="slidenum">
+              <a:rPr lang="en-US" smtClean="0"/>
+              <a:pPr>
+                <a:defRPr/>
+              </a:pPr>
+              <a:t>11</a:t>
+            </a:fld>
+            <a:endParaRPr lang="en-US" dirty="0"/>
+          </a:p>
+        </p:txBody>
+      </p:sp>
+    </p:spTree>
+    <p:extLst>
+      <p:ext uri="{BB962C8B-B14F-4D97-AF65-F5344CB8AC3E}">
+        <p14:creationId xmlns:p14="http://schemas.microsoft.com/office/powerpoint/2010/main" val="2459516608"/>
+      </p:ext>
+    </p:extLst>
+  </p:cSld>
+  <p:clrMapOvr>
+    <a:masterClrMapping/>
+  </p:clrMapOvr>
+</p:sld>
+</file>
+
 <file path=ppt/slides/slide2.xml><?xml version="1.0" encoding="utf-8"?>
 <p:sld xmlns:a="http://schemas.openxmlformats.org/drawingml/2006/main" xmlns:r="http://schemas.openxmlformats.org/officeDocument/2006/relationships" xmlns:p="http://schemas.openxmlformats.org/presentationml/2006/main">
   <p:cSld>
@@ -5463,7 +5850,55 @@
                 <a:latin typeface="Times New Roman" panose="02020603050405020304" pitchFamily="18" charset="0"/>
                 <a:cs typeface="Times New Roman" panose="02020603050405020304" pitchFamily="18" charset="0"/>
               </a:rPr>
+              <a:t>Methodology</a:t>
+            </a:r>
+          </a:p>
+          <a:p>
+            <a:pPr>
+              <a:buFont typeface="Wingdings" pitchFamily="2" charset="2"/>
+              <a:buChar char="Ø"/>
+            </a:pPr>
+            <a:r>
+              <a:rPr lang="en-US" sz="2200" dirty="0">
+                <a:solidFill>
+                  <a:schemeClr val="tx1"/>
+                </a:solidFill>
+                <a:latin typeface="Times New Roman" pitchFamily="18" charset="0"/>
+                <a:cs typeface="Times New Roman" pitchFamily="18" charset="0"/>
+              </a:rPr>
+              <a:t>Result and Analysis</a:t>
+            </a:r>
+          </a:p>
+          <a:p>
+            <a:pPr>
+              <a:buFont typeface="Wingdings" pitchFamily="2" charset="2"/>
+              <a:buChar char="Ø"/>
+            </a:pPr>
+            <a:r>
+              <a:rPr lang="en-US" sz="2200" dirty="0">
+                <a:solidFill>
+                  <a:schemeClr val="tx1"/>
+                </a:solidFill>
+                <a:latin typeface="Times New Roman" pitchFamily="18" charset="0"/>
+                <a:cs typeface="Times New Roman" pitchFamily="18" charset="0"/>
+              </a:rPr>
               <a:t>Conclusion</a:t>
+            </a:r>
+          </a:p>
+          <a:p>
+            <a:pPr>
+              <a:buFont typeface="Wingdings" pitchFamily="2" charset="2"/>
+              <a:buChar char="Ø"/>
+            </a:pPr>
+            <a:r>
+              <a:rPr lang="en-US" sz="2200" dirty="0">
+                <a:solidFill>
+                  <a:schemeClr val="tx1"/>
+                </a:solidFill>
+                <a:latin typeface="Times New Roman" pitchFamily="18" charset="0"/>
+                <a:cs typeface="Times New Roman" pitchFamily="18" charset="0"/>
+              </a:rPr>
+              <a:t>References</a:t>
             </a:r>
           </a:p>
           <a:p>
@@ -5605,9 +6040,6 @@
           <a:lstStyle/>
           <a:p>
             <a:pPr marL="0" indent="0" algn="just">
-              <a:lnSpc>
-                <a:spcPct val="150000"/>
-              </a:lnSpc>
               <a:buFont typeface="Wingdings" pitchFamily="2" charset="2"/>
               <a:buChar char="Ø"/>
             </a:pPr>
@@ -5622,9 +6054,6 @@
           </a:p>
           <a:p>
             <a:pPr marL="0" indent="0" algn="just">
-              <a:lnSpc>
-                <a:spcPct val="150000"/>
-              </a:lnSpc>
               <a:buFont typeface="Wingdings" pitchFamily="2" charset="2"/>
               <a:buChar char="Ø"/>
             </a:pPr>
@@ -5639,9 +6068,6 @@
           </a:p>
           <a:p>
             <a:pPr marL="0" indent="0" algn="just">
-              <a:lnSpc>
-                <a:spcPct val="150000"/>
-              </a:lnSpc>
               <a:buFont typeface="Wingdings" pitchFamily="2" charset="2"/>
               <a:buChar char="Ø"/>
             </a:pPr>
@@ -5771,9 +6197,6 @@
           <a:lstStyle/>
           <a:p>
             <a:pPr>
-              <a:lnSpc>
-                <a:spcPct val="150000"/>
-              </a:lnSpc>
               <a:buFont typeface="Wingdings" pitchFamily="2" charset="2"/>
               <a:buChar char="Ø"/>
             </a:pPr>
@@ -5789,9 +6212,6 @@
           </a:p>
           <a:p>
             <a:pPr>
-              <a:lnSpc>
-                <a:spcPct val="150000"/>
-              </a:lnSpc>
               <a:buFont typeface="Wingdings" pitchFamily="2" charset="2"/>
               <a:buChar char="Ø"/>
             </a:pPr>
@@ -5807,9 +6227,6 @@
           </a:p>
           <a:p>
             <a:pPr>
-              <a:lnSpc>
-                <a:spcPct val="150000"/>
-              </a:lnSpc>
               <a:buFont typeface="Wingdings" pitchFamily="2" charset="2"/>
               <a:buChar char="Ø"/>
             </a:pPr>
@@ -5952,9 +6369,6 @@
           <a:lstStyle/>
           <a:p>
             <a:pPr marL="0" indent="0">
-              <a:lnSpc>
-                <a:spcPct val="150000"/>
-              </a:lnSpc>
               <a:buFont typeface="Wingdings" pitchFamily="2" charset="2"/>
               <a:buChar char="Ø"/>
             </a:pPr>
@@ -5970,9 +6384,6 @@
           </a:p>
           <a:p>
             <a:pPr marL="0" indent="0">
-              <a:lnSpc>
-                <a:spcPct val="150000"/>
-              </a:lnSpc>
               <a:buFont typeface="Wingdings" pitchFamily="2" charset="2"/>
               <a:buChar char="Ø"/>
             </a:pPr>
@@ -5988,9 +6399,6 @@
           </a:p>
           <a:p>
             <a:pPr marL="0" indent="0">
-              <a:lnSpc>
-                <a:spcPct val="150000"/>
-              </a:lnSpc>
               <a:buFont typeface="Wingdings" pitchFamily="2" charset="2"/>
               <a:buChar char="Ø"/>
             </a:pPr>
@@ -6089,8 +6497,8 @@
         </p:nvSpPr>
         <p:spPr>
           <a:xfrm>
-            <a:off x="6433418" y="267929"/>
-            <a:ext cx="4724400" cy="868362"/>
+            <a:off x="1981200" y="274638"/>
+            <a:ext cx="8229600" cy="868362"/>
           </a:xfrm>
         </p:spPr>
         <p:txBody>
@@ -6105,86 +6513,12 @@
                 <a:latin typeface="Times New Roman" pitchFamily="18" charset="0"/>
                 <a:cs typeface="Times New Roman" pitchFamily="18" charset="0"/>
               </a:rPr>
-              <a:t>Methodology</a:t>
+              <a:t>Related Works</a:t>
             </a:r>
             <a:endParaRPr lang="en-US" dirty="0">
               <a:solidFill>
                 <a:srgbClr val="7030A0"/>
               </a:solidFill>
-            </a:endParaRPr>
-          </a:p>
-        </p:txBody>
-      </p:sp>
-      <p:sp>
-        <p:nvSpPr>
-          <p:cNvPr id="3" name="Content Placeholder 2"/>
-          <p:cNvSpPr>
-            <a:spLocks noGrp="1"/>
-          </p:cNvSpPr>
-          <p:nvPr>
-            <p:ph sz="quarter" idx="13"/>
-          </p:nvPr>
-        </p:nvSpPr>
-        <p:spPr>
-          <a:xfrm>
-            <a:off x="7086600" y="2057400"/>
-            <a:ext cx="3810000" cy="3581400"/>
-          </a:xfrm>
-        </p:spPr>
-        <p:txBody>
-          <a:bodyPr>
-            <a:normAutofit/>
-          </a:bodyPr>
-          <a:lstStyle/>
-          <a:p>
-            <a:pPr marL="0" indent="0">
-              <a:buFont typeface="Wingdings" pitchFamily="2" charset="2"/>
-              <a:buChar char="Ø"/>
-            </a:pPr>
-            <a:r>
-              <a:rPr lang="en-US" sz="2400" dirty="0">
-                <a:solidFill>
-                  <a:schemeClr val="tx1"/>
-                </a:solidFill>
-                <a:cs typeface="Times New Roman" panose="02020603050405020304" pitchFamily="18" charset="0"/>
-              </a:rPr>
-              <a:t>Survey data from 1,042 students.</a:t>
-            </a:r>
-          </a:p>
-          <a:p>
-            <a:pPr marL="0" indent="0">
-              <a:buFont typeface="Wingdings" pitchFamily="2" charset="2"/>
-              <a:buChar char="Ø"/>
-            </a:pPr>
-            <a:r>
-              <a:rPr lang="en-US" sz="2400" dirty="0">
-                <a:solidFill>
-                  <a:schemeClr val="tx1"/>
-                </a:solidFill>
-                <a:cs typeface="Times New Roman" panose="02020603050405020304" pitchFamily="18" charset="0"/>
-              </a:rPr>
-              <a:t>ML models: Linear Regression, Random Forest, etc.</a:t>
-            </a:r>
-          </a:p>
-          <a:p>
-            <a:pPr marL="0" indent="0">
-              <a:buFont typeface="Wingdings" pitchFamily="2" charset="2"/>
-              <a:buChar char="Ø"/>
-            </a:pPr>
-            <a:r>
-              <a:rPr lang="pt-BR" sz="2400" dirty="0">
-                <a:solidFill>
-                  <a:schemeClr val="tx1"/>
-                </a:solidFill>
-                <a:cs typeface="Times New Roman" pitchFamily="18" charset="0"/>
-              </a:rPr>
-              <a:t>Metrics: MSE, R², F1 Score.</a:t>
-            </a:r>
-            <a:endParaRPr lang="en-US" sz="2400" dirty="0">
-              <a:solidFill>
-                <a:schemeClr val="tx1"/>
-              </a:solidFill>
-              <a:cs typeface="Times New Roman" pitchFamily="18" charset="0"/>
             </a:endParaRPr>
           </a:p>
         </p:txBody>
@@ -6213,144 +6547,6 @@
                 <a:defRPr/>
               </a:pPr>
               <a:t>6</a:t>
-            </a:fld>
-            <a:endParaRPr lang="en-US" dirty="0"/>
-          </a:p>
-        </p:txBody>
-      </p:sp>
-      <p:pic>
-        <p:nvPicPr>
-          <p:cNvPr id="6" name="Picture 5" descr="A diagram of a training process&#10;&#10;AI-generated content may be incorrect.">
-            <a:extLst>
-              <a:ext uri="{FF2B5EF4-FFF2-40B4-BE49-F238E27FC236}">
-                <a16:creationId xmlns:a16="http://schemas.microsoft.com/office/drawing/2014/main" id="{B0D6907E-A682-1446-B62D-7D0C0ACA2CE5}"/>
-              </a:ext>
-            </a:extLst>
-          </p:cNvPr>
-          <p:cNvPicPr>
-            <a:picLocks noChangeAspect="1"/>
-          </p:cNvPicPr>
-          <p:nvPr/>
-        </p:nvPicPr>
-        <p:blipFill>
-          <a:blip r:embed="rId2">
-            <a:extLst>
-              <a:ext uri="{28A0092B-C50C-407E-A947-70E740481C1C}">
-                <a14:useLocalDpi xmlns:a14="http://schemas.microsoft.com/office/drawing/2010/main" val="0"/>
-              </a:ext>
-            </a:extLst>
-          </a:blip>
-          <a:srcRect/>
-          <a:stretch>
-            <a:fillRect/>
-          </a:stretch>
-        </p:blipFill>
-        <p:spPr bwMode="auto">
-          <a:xfrm>
-            <a:off x="1034181" y="267929"/>
-            <a:ext cx="5399237" cy="6025814"/>
-          </a:xfrm>
-          <a:prstGeom prst="rect">
-            <a:avLst/>
-          </a:prstGeom>
-          <a:noFill/>
-          <a:ln>
-            <a:noFill/>
-          </a:ln>
-        </p:spPr>
-      </p:pic>
-    </p:spTree>
-    <p:extLst>
-      <p:ext uri="{BB962C8B-B14F-4D97-AF65-F5344CB8AC3E}">
-        <p14:creationId xmlns:p14="http://schemas.microsoft.com/office/powerpoint/2010/main" val="925644418"/>
-      </p:ext>
-    </p:extLst>
-  </p:cSld>
-  <p:clrMapOvr>
-    <a:masterClrMapping/>
-  </p:clrMapOvr>
-</p:sld>
-</file>
-
-<file path=ppt/slides/slide7.xml><?xml version="1.0" encoding="utf-8"?>
-<p:sld xmlns:a="http://schemas.openxmlformats.org/drawingml/2006/main" xmlns:r="http://schemas.openxmlformats.org/officeDocument/2006/relationships" xmlns:p="http://schemas.openxmlformats.org/presentationml/2006/main">
-  <p:cSld>
-    <p:spTree>
-      <p:nvGrpSpPr>
-        <p:cNvPr id="1" name=""/>
-        <p:cNvGrpSpPr/>
-        <p:nvPr/>
-      </p:nvGrpSpPr>
-      <p:grpSpPr>
-        <a:xfrm>
-          <a:off x="0" y="0"/>
-          <a:ext cx="0" cy="0"/>
-          <a:chOff x="0" y="0"/>
-          <a:chExt cx="0" cy="0"/>
-        </a:xfrm>
-      </p:grpSpPr>
-      <p:sp>
-        <p:nvSpPr>
-          <p:cNvPr id="2" name="Title 1"/>
-          <p:cNvSpPr>
-            <a:spLocks noGrp="1"/>
-          </p:cNvSpPr>
-          <p:nvPr>
-            <p:ph type="title"/>
-          </p:nvPr>
-        </p:nvSpPr>
-        <p:spPr>
-          <a:xfrm>
-            <a:off x="1981200" y="274638"/>
-            <a:ext cx="8229600" cy="868362"/>
-          </a:xfrm>
-        </p:spPr>
-        <p:txBody>
-          <a:bodyPr/>
-          <a:lstStyle/>
-          <a:p>
-            <a:r>
-              <a:rPr lang="en-US" dirty="0">
-                <a:solidFill>
-                  <a:srgbClr val="7030A0"/>
-                </a:solidFill>
-                <a:latin typeface="Times New Roman" pitchFamily="18" charset="0"/>
-                <a:cs typeface="Times New Roman" pitchFamily="18" charset="0"/>
-              </a:rPr>
-              <a:t>Related Works</a:t>
-            </a:r>
-            <a:endParaRPr lang="en-US" dirty="0">
-              <a:solidFill>
-                <a:srgbClr val="7030A0"/>
-              </a:solidFill>
-            </a:endParaRPr>
-          </a:p>
-        </p:txBody>
-      </p:sp>
-      <p:sp>
-        <p:nvSpPr>
-          <p:cNvPr id="4" name="Slide Number Placeholder 3"/>
-          <p:cNvSpPr>
-            <a:spLocks noGrp="1"/>
-          </p:cNvSpPr>
-          <p:nvPr>
-            <p:ph type="sldNum" sz="quarter" idx="16"/>
-          </p:nvPr>
-        </p:nvSpPr>
-        <p:spPr/>
-        <p:txBody>
-          <a:bodyPr/>
-          <a:lstStyle/>
-          <a:p>
-            <a:pPr>
-              <a:defRPr/>
-            </a:pPr>
-            <a:fld id="{4CD333A3-7515-47B8-9EDC-EE0892D9C861}" type="slidenum">
-              <a:rPr lang="en-US" smtClean="0"/>
-              <a:pPr>
-                <a:defRPr/>
-              </a:pPr>
-              <a:t>7</a:t>
             </a:fld>
             <a:endParaRPr lang="en-US" dirty="0"/>
           </a:p>
@@ -6757,7 +6953,7 @@
 </p:sld>
 </file>
 
-<file path=ppt/slides/slide8.xml><?xml version="1.0" encoding="utf-8"?>
+<file path=ppt/slides/slide7.xml><?xml version="1.0" encoding="utf-8"?>
 <p:sld xmlns:a="http://schemas.openxmlformats.org/drawingml/2006/main" xmlns:r="http://schemas.openxmlformats.org/officeDocument/2006/relationships" xmlns:p="http://schemas.openxmlformats.org/presentationml/2006/main">
   <p:cSld>
     <p:spTree>
@@ -6786,8 +6982,8 @@
         </p:nvSpPr>
         <p:spPr>
           <a:xfrm>
-            <a:off x="1981200" y="274638"/>
-            <a:ext cx="8229600" cy="868362"/>
+            <a:off x="6433418" y="267929"/>
+            <a:ext cx="4724400" cy="868362"/>
           </a:xfrm>
         </p:spPr>
         <p:txBody>
@@ -6802,7 +6998,7 @@
                 <a:latin typeface="Times New Roman" pitchFamily="18" charset="0"/>
                 <a:cs typeface="Times New Roman" pitchFamily="18" charset="0"/>
               </a:rPr>
-              <a:t>Conclusion</a:t>
+              <a:t>Methodology</a:t>
             </a:r>
             <a:endParaRPr lang="en-US" dirty="0">
               <a:solidFill>
@@ -6814,7 +7010,237 @@
       </p:sp>
       <p:sp>
         <p:nvSpPr>
+          <p:cNvPr id="3" name="Content Placeholder 2"/>
+          <p:cNvSpPr>
+            <a:spLocks noGrp="1"/>
+          </p:cNvSpPr>
+          <p:nvPr>
+            <p:ph sz="quarter" idx="13"/>
+          </p:nvPr>
+        </p:nvSpPr>
+        <p:spPr>
+          <a:xfrm>
+            <a:off x="7086600" y="2057400"/>
+            <a:ext cx="3810000" cy="3581400"/>
+          </a:xfrm>
+        </p:spPr>
+        <p:txBody>
+          <a:bodyPr>
+            <a:normAutofit/>
+          </a:bodyPr>
+          <a:lstStyle/>
+          <a:p>
+            <a:pPr marL="0" indent="0">
+              <a:buFont typeface="Wingdings" pitchFamily="2" charset="2"/>
+              <a:buChar char="Ø"/>
+            </a:pPr>
+            <a:r>
+              <a:rPr lang="en-US" sz="2000" dirty="0">
+                <a:solidFill>
+                  <a:schemeClr val="tx1"/>
+                </a:solidFill>
+                <a:cs typeface="Times New Roman" panose="02020603050405020304" pitchFamily="18" charset="0"/>
+              </a:rPr>
+              <a:t>Survey data from 1,042 students.</a:t>
+            </a:r>
+          </a:p>
+          <a:p>
+            <a:pPr marL="0" indent="0">
+              <a:buFont typeface="Wingdings" pitchFamily="2" charset="2"/>
+              <a:buChar char="Ø"/>
+            </a:pPr>
+            <a:r>
+              <a:rPr lang="en-US" sz="2000" dirty="0">
+                <a:solidFill>
+                  <a:schemeClr val="tx1"/>
+                </a:solidFill>
+                <a:cs typeface="Times New Roman" panose="02020603050405020304" pitchFamily="18" charset="0"/>
+              </a:rPr>
+              <a:t>ML models: Linear Regression, Random Forest, etc.</a:t>
+            </a:r>
+          </a:p>
+          <a:p>
+            <a:pPr marL="0" indent="0">
+              <a:buFont typeface="Wingdings" pitchFamily="2" charset="2"/>
+              <a:buChar char="Ø"/>
+            </a:pPr>
+            <a:r>
+              <a:rPr lang="pt-BR" sz="2000" dirty="0">
+                <a:solidFill>
+                  <a:schemeClr val="tx1"/>
+                </a:solidFill>
+                <a:cs typeface="Times New Roman" pitchFamily="18" charset="0"/>
+              </a:rPr>
+              <a:t>Metrics: MSE, R², F1 Score.</a:t>
+            </a:r>
+            <a:endParaRPr lang="en-US" sz="2000" dirty="0">
+              <a:solidFill>
+                <a:schemeClr val="tx1"/>
+              </a:solidFill>
+              <a:cs typeface="Times New Roman" pitchFamily="18" charset="0"/>
+            </a:endParaRPr>
+          </a:p>
+        </p:txBody>
+      </p:sp>
+      <p:sp>
+        <p:nvSpPr>
           <p:cNvPr id="4" name="Slide Number Placeholder 3"/>
+          <p:cNvSpPr>
+            <a:spLocks noGrp="1"/>
+          </p:cNvSpPr>
+          <p:nvPr>
+            <p:ph type="sldNum" sz="quarter" idx="16"/>
+          </p:nvPr>
+        </p:nvSpPr>
+        <p:spPr/>
+        <p:txBody>
+          <a:bodyPr/>
+          <a:lstStyle/>
+          <a:p>
+            <a:pPr>
+              <a:defRPr/>
+            </a:pPr>
+            <a:fld id="{4CD333A3-7515-47B8-9EDC-EE0892D9C861}" type="slidenum">
+              <a:rPr lang="en-US" smtClean="0"/>
+              <a:pPr>
+                <a:defRPr/>
+              </a:pPr>
+              <a:t>7</a:t>
+            </a:fld>
+            <a:endParaRPr lang="en-US" dirty="0"/>
+          </a:p>
+        </p:txBody>
+      </p:sp>
+      <p:pic>
+        <p:nvPicPr>
+          <p:cNvPr id="6" name="Picture 5" descr="A diagram of a training process&#10;&#10;AI-generated content may be incorrect.">
+            <a:extLst>
+              <a:ext uri="{FF2B5EF4-FFF2-40B4-BE49-F238E27FC236}">
+                <a16:creationId xmlns:a16="http://schemas.microsoft.com/office/drawing/2014/main" id="{B0D6907E-A682-1446-B62D-7D0C0ACA2CE5}"/>
+              </a:ext>
+            </a:extLst>
+          </p:cNvPr>
+          <p:cNvPicPr>
+            <a:picLocks noChangeAspect="1"/>
+          </p:cNvPicPr>
+          <p:nvPr/>
+        </p:nvPicPr>
+        <p:blipFill>
+          <a:blip r:embed="rId2">
+            <a:extLst>
+              <a:ext uri="{28A0092B-C50C-407E-A947-70E740481C1C}">
+                <a14:useLocalDpi xmlns:a14="http://schemas.microsoft.com/office/drawing/2010/main" val="0"/>
+              </a:ext>
+            </a:extLst>
+          </a:blip>
+          <a:srcRect/>
+          <a:stretch>
+            <a:fillRect/>
+          </a:stretch>
+        </p:blipFill>
+        <p:spPr bwMode="auto">
+          <a:xfrm>
+            <a:off x="1295400" y="235974"/>
+            <a:ext cx="5399237" cy="6025814"/>
+          </a:xfrm>
+          <a:prstGeom prst="rect">
+            <a:avLst/>
+          </a:prstGeom>
+          <a:noFill/>
+          <a:ln>
+            <a:noFill/>
+          </a:ln>
+        </p:spPr>
+      </p:pic>
+    </p:spTree>
+    <p:extLst>
+      <p:ext uri="{BB962C8B-B14F-4D97-AF65-F5344CB8AC3E}">
+        <p14:creationId xmlns:p14="http://schemas.microsoft.com/office/powerpoint/2010/main" val="925644418"/>
+      </p:ext>
+    </p:extLst>
+  </p:cSld>
+  <p:clrMapOvr>
+    <a:masterClrMapping/>
+  </p:clrMapOvr>
+</p:sld>
+</file>
+
+<file path=ppt/slides/slide8.xml><?xml version="1.0" encoding="utf-8"?>
+<p:sld xmlns:a="http://schemas.openxmlformats.org/drawingml/2006/main" xmlns:r="http://schemas.openxmlformats.org/officeDocument/2006/relationships" xmlns:p="http://schemas.openxmlformats.org/presentationml/2006/main">
+  <p:cSld>
+    <p:spTree>
+      <p:nvGrpSpPr>
+        <p:cNvPr id="1" name="">
+          <a:extLst>
+            <a:ext uri="{FF2B5EF4-FFF2-40B4-BE49-F238E27FC236}">
+              <a16:creationId xmlns:a16="http://schemas.microsoft.com/office/drawing/2014/main" id="{4B3E9E5C-71F2-3105-2435-0102C1334E96}"/>
+            </a:ext>
+          </a:extLst>
+        </p:cNvPr>
+        <p:cNvGrpSpPr/>
+        <p:nvPr/>
+      </p:nvGrpSpPr>
+      <p:grpSpPr>
+        <a:xfrm>
+          <a:off x="0" y="0"/>
+          <a:ext cx="0" cy="0"/>
+          <a:chOff x="0" y="0"/>
+          <a:chExt cx="0" cy="0"/>
+        </a:xfrm>
+      </p:grpSpPr>
+      <p:sp>
+        <p:nvSpPr>
+          <p:cNvPr id="2" name="Title 1">
+            <a:extLst>
+              <a:ext uri="{FF2B5EF4-FFF2-40B4-BE49-F238E27FC236}">
+                <a16:creationId xmlns:a16="http://schemas.microsoft.com/office/drawing/2014/main" id="{6D611926-D2A5-F445-0117-A4074CC94842}"/>
+              </a:ext>
+            </a:extLst>
+          </p:cNvPr>
+          <p:cNvSpPr>
+            <a:spLocks noGrp="1"/>
+          </p:cNvSpPr>
+          <p:nvPr>
+            <p:ph type="title"/>
+          </p:nvPr>
+        </p:nvSpPr>
+        <p:spPr>
+          <a:xfrm>
+            <a:off x="1981200" y="274638"/>
+            <a:ext cx="8229600" cy="868362"/>
+          </a:xfrm>
+        </p:spPr>
+        <p:txBody>
+          <a:bodyPr/>
+          <a:lstStyle/>
+          <a:p>
+            <a:r>
+              <a:rPr lang="en-US" dirty="0">
+                <a:solidFill>
+                  <a:srgbClr val="7030A0"/>
+                </a:solidFill>
+                <a:latin typeface="Times New Roman" pitchFamily="18" charset="0"/>
+                <a:cs typeface="Times New Roman" pitchFamily="18" charset="0"/>
+              </a:rPr>
+              <a:t>Result and Analysis</a:t>
+            </a:r>
+            <a:endParaRPr lang="en-US" dirty="0">
+              <a:solidFill>
+                <a:srgbClr val="7030A0"/>
+              </a:solidFill>
+            </a:endParaRPr>
+          </a:p>
+        </p:txBody>
+      </p:sp>
+      <p:sp>
+        <p:nvSpPr>
+          <p:cNvPr id="4" name="Slide Number Placeholder 3">
+            <a:extLst>
+              <a:ext uri="{FF2B5EF4-FFF2-40B4-BE49-F238E27FC236}">
+                <a16:creationId xmlns:a16="http://schemas.microsoft.com/office/drawing/2014/main" id="{BC820640-2CE5-2763-409D-C0C0D296CBCF}"/>
+              </a:ext>
+            </a:extLst>
+          </p:cNvPr>
           <p:cNvSpPr>
             <a:spLocks noGrp="1"/>
           </p:cNvSpPr>
@@ -6841,100 +7267,1708 @@
           </a:p>
         </p:txBody>
       </p:sp>
-      <p:sp>
-        <p:nvSpPr>
-          <p:cNvPr id="6" name="Rectangle 2">
+      <p:graphicFrame>
+        <p:nvGraphicFramePr>
+          <p:cNvPr id="5" name="Table 4">
             <a:extLst>
               <a:ext uri="{FF2B5EF4-FFF2-40B4-BE49-F238E27FC236}">
-                <a16:creationId xmlns:a16="http://schemas.microsoft.com/office/drawing/2014/main" id="{138B3F1F-9D10-CACF-591E-3D129734FD19}"/>
+                <a16:creationId xmlns:a16="http://schemas.microsoft.com/office/drawing/2014/main" id="{1BD025E1-AD3E-D27A-B10D-CD24CEC31808}"/>
               </a:ext>
             </a:extLst>
           </p:cNvPr>
-          <p:cNvSpPr>
-            <a:spLocks noGrp="1" noChangeArrowheads="1"/>
-          </p:cNvSpPr>
-          <p:nvPr>
-            <p:ph sz="quarter" idx="13"/>
-          </p:nvPr>
-        </p:nvSpPr>
-        <p:spPr bwMode="auto">
+          <p:cNvGraphicFramePr>
+            <a:graphicFrameLocks noGrp="1"/>
+          </p:cNvGraphicFramePr>
+          <p:nvPr>
+            <p:extLst>
+              <p:ext uri="{D42A27DB-BD31-4B8C-83A1-F6EECF244321}">
+                <p14:modId xmlns:p14="http://schemas.microsoft.com/office/powerpoint/2010/main" val="1125020033"/>
+              </p:ext>
+            </p:extLst>
+          </p:nvPr>
+        </p:nvGraphicFramePr>
+        <p:xfrm>
+          <a:off x="914400" y="1295400"/>
+          <a:ext cx="6934200" cy="4495799"/>
+        </p:xfrm>
+        <a:graphic>
+          <a:graphicData uri="http://schemas.openxmlformats.org/drawingml/2006/table">
+            <a:tbl>
+              <a:tblPr firstRow="1" firstCol="1" bandRow="1">
+                <a:tableStyleId>{5C22544A-7EE6-4342-B048-85BDC9FD1C3A}</a:tableStyleId>
+              </a:tblPr>
+              <a:tblGrid>
+                <a:gridCol w="1588190">
+                  <a:extLst>
+                    <a:ext uri="{9D8B030D-6E8A-4147-A177-3AD203B41FA5}">
+                      <a16:colId xmlns:a16="http://schemas.microsoft.com/office/drawing/2014/main" val="251374893"/>
+                    </a:ext>
+                  </a:extLst>
+                </a:gridCol>
+                <a:gridCol w="1330542">
+                  <a:extLst>
+                    <a:ext uri="{9D8B030D-6E8A-4147-A177-3AD203B41FA5}">
+                      <a16:colId xmlns:a16="http://schemas.microsoft.com/office/drawing/2014/main" val="1501898995"/>
+                    </a:ext>
+                  </a:extLst>
+                </a:gridCol>
+                <a:gridCol w="1269014">
+                  <a:extLst>
+                    <a:ext uri="{9D8B030D-6E8A-4147-A177-3AD203B41FA5}">
+                      <a16:colId xmlns:a16="http://schemas.microsoft.com/office/drawing/2014/main" val="2313195889"/>
+                    </a:ext>
+                  </a:extLst>
+                </a:gridCol>
+                <a:gridCol w="1427449">
+                  <a:extLst>
+                    <a:ext uri="{9D8B030D-6E8A-4147-A177-3AD203B41FA5}">
+                      <a16:colId xmlns:a16="http://schemas.microsoft.com/office/drawing/2014/main" val="2769647115"/>
+                    </a:ext>
+                  </a:extLst>
+                </a:gridCol>
+                <a:gridCol w="1319005">
+                  <a:extLst>
+                    <a:ext uri="{9D8B030D-6E8A-4147-A177-3AD203B41FA5}">
+                      <a16:colId xmlns:a16="http://schemas.microsoft.com/office/drawing/2014/main" val="2167794869"/>
+                    </a:ext>
+                  </a:extLst>
+                </a:gridCol>
+              </a:tblGrid>
+              <a:tr h="786269">
+                <a:tc>
+                  <a:txBody>
+                    <a:bodyPr/>
+                    <a:lstStyle/>
+                    <a:p>
+                      <a:pPr marL="0" marR="0" lvl="0" indent="0" algn="just">
+                        <a:lnSpc>
+                          <a:spcPct val="150000"/>
+                        </a:lnSpc>
+                        <a:buFont typeface="Arial" panose="020B0604020202020204" pitchFamily="34" charset="0"/>
+                        <a:buNone/>
+                      </a:pPr>
+                      <a:r>
+                        <a:rPr lang="en-US" sz="1400" dirty="0">
+                          <a:effectLst/>
+                        </a:rPr>
+                        <a:t>Model</a:t>
+                      </a:r>
+                      <a:endParaRPr lang="en-US" sz="1400" dirty="0">
+                        <a:effectLst/>
+                        <a:latin typeface="Times New Roman" panose="02020603050405020304" pitchFamily="18" charset="0"/>
+                        <a:ea typeface="SimSun" panose="02010600030101010101" pitchFamily="2" charset="-122"/>
+                      </a:endParaRPr>
+                    </a:p>
+                  </a:txBody>
+                  <a:tcPr marL="68580" marR="68580" marT="0" marB="0"/>
+                </a:tc>
+                <a:tc>
+                  <a:txBody>
+                    <a:bodyPr/>
+                    <a:lstStyle/>
+                    <a:p>
+                      <a:pPr marL="0" marR="0" lvl="0" indent="0" algn="just">
+                        <a:lnSpc>
+                          <a:spcPct val="150000"/>
+                        </a:lnSpc>
+                        <a:buFont typeface="Arial" panose="020B0604020202020204" pitchFamily="34" charset="0"/>
+                        <a:buNone/>
+                      </a:pPr>
+                      <a:r>
+                        <a:rPr lang="en-US" sz="1400" dirty="0">
+                          <a:effectLst/>
+                        </a:rPr>
+                        <a:t>Stress MSE	</a:t>
+                      </a:r>
+                      <a:endParaRPr lang="en-US" sz="1400" dirty="0">
+                        <a:effectLst/>
+                        <a:latin typeface="Times New Roman" panose="02020603050405020304" pitchFamily="18" charset="0"/>
+                        <a:ea typeface="SimSun" panose="02010600030101010101" pitchFamily="2" charset="-122"/>
+                      </a:endParaRPr>
+                    </a:p>
+                  </a:txBody>
+                  <a:tcPr marL="68580" marR="68580" marT="0" marB="0"/>
+                </a:tc>
+                <a:tc>
+                  <a:txBody>
+                    <a:bodyPr/>
+                    <a:lstStyle/>
+                    <a:p>
+                      <a:pPr marL="0" marR="0" lvl="0" indent="0" algn="just">
+                        <a:lnSpc>
+                          <a:spcPct val="150000"/>
+                        </a:lnSpc>
+                        <a:buFont typeface="Arial" panose="020B0604020202020204" pitchFamily="34" charset="0"/>
+                        <a:buNone/>
+                      </a:pPr>
+                      <a:r>
+                        <a:rPr lang="en-US" sz="1400" dirty="0">
+                          <a:effectLst/>
+                        </a:rPr>
+                        <a:t>Stress R²</a:t>
+                      </a:r>
+                      <a:endParaRPr lang="en-US" sz="1400" dirty="0">
+                        <a:effectLst/>
+                        <a:latin typeface="Times New Roman" panose="02020603050405020304" pitchFamily="18" charset="0"/>
+                        <a:ea typeface="SimSun" panose="02010600030101010101" pitchFamily="2" charset="-122"/>
+                      </a:endParaRPr>
+                    </a:p>
+                  </a:txBody>
+                  <a:tcPr marL="68580" marR="68580" marT="0" marB="0"/>
+                </a:tc>
+                <a:tc>
+                  <a:txBody>
+                    <a:bodyPr/>
+                    <a:lstStyle/>
+                    <a:p>
+                      <a:pPr marL="0" marR="0" lvl="0" indent="0" algn="just">
+                        <a:lnSpc>
+                          <a:spcPct val="150000"/>
+                        </a:lnSpc>
+                        <a:buFont typeface="Arial" panose="020B0604020202020204" pitchFamily="34" charset="0"/>
+                        <a:buNone/>
+                      </a:pPr>
+                      <a:r>
+                        <a:rPr lang="en-US" sz="1400" dirty="0">
+                          <a:effectLst/>
+                        </a:rPr>
+                        <a:t>Addiction MSE</a:t>
+                      </a:r>
+                      <a:endParaRPr lang="en-US" sz="1400" dirty="0">
+                        <a:effectLst/>
+                        <a:latin typeface="Times New Roman" panose="02020603050405020304" pitchFamily="18" charset="0"/>
+                        <a:ea typeface="SimSun" panose="02010600030101010101" pitchFamily="2" charset="-122"/>
+                      </a:endParaRPr>
+                    </a:p>
+                  </a:txBody>
+                  <a:tcPr marL="68580" marR="68580" marT="0" marB="0"/>
+                </a:tc>
+                <a:tc>
+                  <a:txBody>
+                    <a:bodyPr/>
+                    <a:lstStyle/>
+                    <a:p>
+                      <a:pPr marL="0" marR="0" lvl="0" indent="0" algn="just">
+                        <a:lnSpc>
+                          <a:spcPct val="150000"/>
+                        </a:lnSpc>
+                        <a:buFont typeface="Arial" panose="020B0604020202020204" pitchFamily="34" charset="0"/>
+                        <a:buNone/>
+                      </a:pPr>
+                      <a:r>
+                        <a:rPr lang="en-US" sz="1400" dirty="0">
+                          <a:effectLst/>
+                        </a:rPr>
+                        <a:t>Addiction R²</a:t>
+                      </a:r>
+                      <a:endParaRPr lang="en-US" sz="1400" dirty="0">
+                        <a:effectLst/>
+                        <a:latin typeface="Times New Roman" panose="02020603050405020304" pitchFamily="18" charset="0"/>
+                        <a:ea typeface="SimSun" panose="02010600030101010101" pitchFamily="2" charset="-122"/>
+                      </a:endParaRPr>
+                    </a:p>
+                  </a:txBody>
+                  <a:tcPr marL="68580" marR="68580" marT="0" marB="0"/>
+                </a:tc>
+                <a:extLst>
+                  <a:ext uri="{0D108BD9-81ED-4DB2-BD59-A6C34878D82A}">
+                    <a16:rowId xmlns:a16="http://schemas.microsoft.com/office/drawing/2014/main" val="3341139790"/>
+                  </a:ext>
+                </a:extLst>
+              </a:tr>
+              <a:tr h="370953">
+                <a:tc>
+                  <a:txBody>
+                    <a:bodyPr/>
+                    <a:lstStyle/>
+                    <a:p>
+                      <a:pPr marL="0" marR="0" lvl="0" indent="0" algn="just">
+                        <a:lnSpc>
+                          <a:spcPct val="150000"/>
+                        </a:lnSpc>
+                        <a:buFont typeface="Arial" panose="020B0604020202020204" pitchFamily="34" charset="0"/>
+                        <a:buNone/>
+                      </a:pPr>
+                      <a:r>
+                        <a:rPr lang="en-US" sz="1400" dirty="0">
+                          <a:effectLst/>
+                        </a:rPr>
+                        <a:t>Linear Regression</a:t>
+                      </a:r>
+                      <a:endParaRPr lang="en-US" sz="1400" dirty="0">
+                        <a:effectLst/>
+                        <a:latin typeface="Times New Roman" panose="02020603050405020304" pitchFamily="18" charset="0"/>
+                        <a:ea typeface="SimSun" panose="02010600030101010101" pitchFamily="2" charset="-122"/>
+                      </a:endParaRPr>
+                    </a:p>
+                  </a:txBody>
+                  <a:tcPr marL="68580" marR="68580" marT="0" marB="0"/>
+                </a:tc>
+                <a:tc>
+                  <a:txBody>
+                    <a:bodyPr/>
+                    <a:lstStyle/>
+                    <a:p>
+                      <a:pPr marL="0" marR="0" lvl="0" indent="0" algn="just">
+                        <a:lnSpc>
+                          <a:spcPct val="150000"/>
+                        </a:lnSpc>
+                        <a:buFont typeface="Arial" panose="020B0604020202020204" pitchFamily="34" charset="0"/>
+                        <a:buNone/>
+                      </a:pPr>
+                      <a:r>
+                        <a:rPr lang="en-US" sz="1400" dirty="0">
+                          <a:effectLst/>
+                        </a:rPr>
+                        <a:t> 1.733768</a:t>
+                      </a:r>
+                      <a:endParaRPr lang="en-US" sz="1400" dirty="0">
+                        <a:effectLst/>
+                        <a:latin typeface="Times New Roman" panose="02020603050405020304" pitchFamily="18" charset="0"/>
+                        <a:ea typeface="SimSun" panose="02010600030101010101" pitchFamily="2" charset="-122"/>
+                      </a:endParaRPr>
+                    </a:p>
+                  </a:txBody>
+                  <a:tcPr marL="68580" marR="68580" marT="0" marB="0"/>
+                </a:tc>
+                <a:tc>
+                  <a:txBody>
+                    <a:bodyPr/>
+                    <a:lstStyle/>
+                    <a:p>
+                      <a:pPr marL="0" marR="0" lvl="0" indent="0" algn="just">
+                        <a:lnSpc>
+                          <a:spcPct val="150000"/>
+                        </a:lnSpc>
+                        <a:buFont typeface="Arial" panose="020B0604020202020204" pitchFamily="34" charset="0"/>
+                        <a:buNone/>
+                      </a:pPr>
+                      <a:r>
+                        <a:rPr lang="en-US" sz="1400" dirty="0">
+                          <a:effectLst/>
+                        </a:rPr>
+                        <a:t>0.779947</a:t>
+                      </a:r>
+                      <a:endParaRPr lang="en-US" sz="1400" dirty="0">
+                        <a:effectLst/>
+                        <a:latin typeface="Times New Roman" panose="02020603050405020304" pitchFamily="18" charset="0"/>
+                        <a:ea typeface="SimSun" panose="02010600030101010101" pitchFamily="2" charset="-122"/>
+                      </a:endParaRPr>
+                    </a:p>
+                  </a:txBody>
+                  <a:tcPr marL="68580" marR="68580" marT="0" marB="0"/>
+                </a:tc>
+                <a:tc>
+                  <a:txBody>
+                    <a:bodyPr/>
+                    <a:lstStyle/>
+                    <a:p>
+                      <a:pPr marL="0" marR="0" lvl="0" indent="0" algn="just">
+                        <a:lnSpc>
+                          <a:spcPct val="150000"/>
+                        </a:lnSpc>
+                        <a:buFont typeface="Arial" panose="020B0604020202020204" pitchFamily="34" charset="0"/>
+                        <a:buNone/>
+                      </a:pPr>
+                      <a:r>
+                        <a:rPr lang="en-US" sz="1400" dirty="0">
+                          <a:effectLst/>
+                        </a:rPr>
+                        <a:t>0.377224</a:t>
+                      </a:r>
+                      <a:endParaRPr lang="en-US" sz="1400" dirty="0">
+                        <a:effectLst/>
+                        <a:latin typeface="Times New Roman" panose="02020603050405020304" pitchFamily="18" charset="0"/>
+                        <a:ea typeface="SimSun" panose="02010600030101010101" pitchFamily="2" charset="-122"/>
+                      </a:endParaRPr>
+                    </a:p>
+                  </a:txBody>
+                  <a:tcPr marL="68580" marR="68580" marT="0" marB="0"/>
+                </a:tc>
+                <a:tc>
+                  <a:txBody>
+                    <a:bodyPr/>
+                    <a:lstStyle/>
+                    <a:p>
+                      <a:pPr marL="0" marR="0" lvl="0" indent="0" algn="just">
+                        <a:lnSpc>
+                          <a:spcPct val="150000"/>
+                        </a:lnSpc>
+                        <a:buFont typeface="Arial" panose="020B0604020202020204" pitchFamily="34" charset="0"/>
+                        <a:buNone/>
+                      </a:pPr>
+                      <a:r>
+                        <a:rPr lang="en-US" sz="1400" dirty="0">
+                          <a:effectLst/>
+                        </a:rPr>
+                        <a:t>0.953765</a:t>
+                      </a:r>
+                      <a:endParaRPr lang="en-US" sz="1400" dirty="0">
+                        <a:effectLst/>
+                        <a:latin typeface="Times New Roman" panose="02020603050405020304" pitchFamily="18" charset="0"/>
+                        <a:ea typeface="SimSun" panose="02010600030101010101" pitchFamily="2" charset="-122"/>
+                      </a:endParaRPr>
+                    </a:p>
+                  </a:txBody>
+                  <a:tcPr marL="68580" marR="68580" marT="0" marB="0"/>
+                </a:tc>
+                <a:extLst>
+                  <a:ext uri="{0D108BD9-81ED-4DB2-BD59-A6C34878D82A}">
+                    <a16:rowId xmlns:a16="http://schemas.microsoft.com/office/drawing/2014/main" val="3383974418"/>
+                  </a:ext>
+                </a:extLst>
+              </a:tr>
+              <a:tr h="370953">
+                <a:tc>
+                  <a:txBody>
+                    <a:bodyPr/>
+                    <a:lstStyle/>
+                    <a:p>
+                      <a:pPr marL="0" marR="0" lvl="0" indent="0" algn="just">
+                        <a:lnSpc>
+                          <a:spcPct val="150000"/>
+                        </a:lnSpc>
+                        <a:buFont typeface="Arial" panose="020B0604020202020204" pitchFamily="34" charset="0"/>
+                        <a:buNone/>
+                      </a:pPr>
+                      <a:r>
+                        <a:rPr lang="en-US" sz="1400" dirty="0">
+                          <a:effectLst/>
+                        </a:rPr>
+                        <a:t>Decision Tree</a:t>
+                      </a:r>
+                      <a:endParaRPr lang="en-US" sz="1400" dirty="0">
+                        <a:effectLst/>
+                        <a:latin typeface="Times New Roman" panose="02020603050405020304" pitchFamily="18" charset="0"/>
+                        <a:ea typeface="SimSun" panose="02010600030101010101" pitchFamily="2" charset="-122"/>
+                      </a:endParaRPr>
+                    </a:p>
+                  </a:txBody>
+                  <a:tcPr marL="68580" marR="68580" marT="0" marB="0"/>
+                </a:tc>
+                <a:tc>
+                  <a:txBody>
+                    <a:bodyPr/>
+                    <a:lstStyle/>
+                    <a:p>
+                      <a:pPr marL="0" marR="0" lvl="0" indent="0" algn="just">
+                        <a:lnSpc>
+                          <a:spcPct val="150000"/>
+                        </a:lnSpc>
+                        <a:buFont typeface="Arial" panose="020B0604020202020204" pitchFamily="34" charset="0"/>
+                        <a:buNone/>
+                      </a:pPr>
+                      <a:r>
+                        <a:rPr lang="en-US" sz="1400" dirty="0">
+                          <a:effectLst/>
+                        </a:rPr>
+                        <a:t>1.706552</a:t>
+                      </a:r>
+                      <a:endParaRPr lang="en-US" sz="1400" dirty="0">
+                        <a:effectLst/>
+                        <a:latin typeface="Times New Roman" panose="02020603050405020304" pitchFamily="18" charset="0"/>
+                        <a:ea typeface="SimSun" panose="02010600030101010101" pitchFamily="2" charset="-122"/>
+                      </a:endParaRPr>
+                    </a:p>
+                  </a:txBody>
+                  <a:tcPr marL="68580" marR="68580" marT="0" marB="0"/>
+                </a:tc>
+                <a:tc>
+                  <a:txBody>
+                    <a:bodyPr/>
+                    <a:lstStyle/>
+                    <a:p>
+                      <a:pPr marL="0" marR="0" lvl="0" indent="0" algn="just">
+                        <a:lnSpc>
+                          <a:spcPct val="150000"/>
+                        </a:lnSpc>
+                        <a:buFont typeface="Arial" panose="020B0604020202020204" pitchFamily="34" charset="0"/>
+                        <a:buNone/>
+                      </a:pPr>
+                      <a:r>
+                        <a:rPr lang="en-US" sz="1400" dirty="0">
+                          <a:effectLst/>
+                        </a:rPr>
+                        <a:t>0.783401</a:t>
+                      </a:r>
+                      <a:endParaRPr lang="en-US" sz="1400" dirty="0">
+                        <a:effectLst/>
+                        <a:latin typeface="Times New Roman" panose="02020603050405020304" pitchFamily="18" charset="0"/>
+                        <a:ea typeface="SimSun" panose="02010600030101010101" pitchFamily="2" charset="-122"/>
+                      </a:endParaRPr>
+                    </a:p>
+                  </a:txBody>
+                  <a:tcPr marL="68580" marR="68580" marT="0" marB="0"/>
+                </a:tc>
+                <a:tc>
+                  <a:txBody>
+                    <a:bodyPr/>
+                    <a:lstStyle/>
+                    <a:p>
+                      <a:pPr marL="0" marR="0" lvl="0" indent="0" algn="just">
+                        <a:lnSpc>
+                          <a:spcPct val="150000"/>
+                        </a:lnSpc>
+                        <a:buFont typeface="Arial" panose="020B0604020202020204" pitchFamily="34" charset="0"/>
+                        <a:buNone/>
+                      </a:pPr>
+                      <a:r>
+                        <a:rPr lang="en-US" sz="1400" dirty="0">
+                          <a:effectLst/>
+                        </a:rPr>
+                        <a:t>1.561420</a:t>
+                      </a:r>
+                      <a:endParaRPr lang="en-US" sz="1400" dirty="0">
+                        <a:effectLst/>
+                        <a:latin typeface="Times New Roman" panose="02020603050405020304" pitchFamily="18" charset="0"/>
+                        <a:ea typeface="SimSun" panose="02010600030101010101" pitchFamily="2" charset="-122"/>
+                      </a:endParaRPr>
+                    </a:p>
+                  </a:txBody>
+                  <a:tcPr marL="68580" marR="68580" marT="0" marB="0"/>
+                </a:tc>
+                <a:tc>
+                  <a:txBody>
+                    <a:bodyPr/>
+                    <a:lstStyle/>
+                    <a:p>
+                      <a:pPr marL="0" marR="0" lvl="0" indent="0" algn="just">
+                        <a:lnSpc>
+                          <a:spcPct val="150000"/>
+                        </a:lnSpc>
+                        <a:buFont typeface="Arial" panose="020B0604020202020204" pitchFamily="34" charset="0"/>
+                        <a:buNone/>
+                      </a:pPr>
+                      <a:r>
+                        <a:rPr lang="en-US" sz="1400" dirty="0">
+                          <a:effectLst/>
+                        </a:rPr>
+                        <a:t>0.808621</a:t>
+                      </a:r>
+                      <a:endParaRPr lang="en-US" sz="1400" dirty="0">
+                        <a:effectLst/>
+                        <a:latin typeface="Times New Roman" panose="02020603050405020304" pitchFamily="18" charset="0"/>
+                        <a:ea typeface="SimSun" panose="02010600030101010101" pitchFamily="2" charset="-122"/>
+                      </a:endParaRPr>
+                    </a:p>
+                  </a:txBody>
+                  <a:tcPr marL="68580" marR="68580" marT="0" marB="0"/>
+                </a:tc>
+                <a:extLst>
+                  <a:ext uri="{0D108BD9-81ED-4DB2-BD59-A6C34878D82A}">
+                    <a16:rowId xmlns:a16="http://schemas.microsoft.com/office/drawing/2014/main" val="3775394429"/>
+                  </a:ext>
+                </a:extLst>
+              </a:tr>
+              <a:tr h="370953">
+                <a:tc>
+                  <a:txBody>
+                    <a:bodyPr/>
+                    <a:lstStyle/>
+                    <a:p>
+                      <a:pPr marL="0" marR="0" lvl="0" indent="0" algn="just">
+                        <a:lnSpc>
+                          <a:spcPct val="150000"/>
+                        </a:lnSpc>
+                        <a:buFont typeface="Arial" panose="020B0604020202020204" pitchFamily="34" charset="0"/>
+                        <a:buNone/>
+                      </a:pPr>
+                      <a:r>
+                        <a:rPr lang="en-US" sz="1400" dirty="0">
+                          <a:effectLst/>
+                        </a:rPr>
+                        <a:t>Random Forest</a:t>
+                      </a:r>
+                      <a:endParaRPr lang="en-US" sz="1400" dirty="0">
+                        <a:effectLst/>
+                        <a:latin typeface="Times New Roman" panose="02020603050405020304" pitchFamily="18" charset="0"/>
+                        <a:ea typeface="SimSun" panose="02010600030101010101" pitchFamily="2" charset="-122"/>
+                      </a:endParaRPr>
+                    </a:p>
+                  </a:txBody>
+                  <a:tcPr marL="68580" marR="68580" marT="0" marB="0"/>
+                </a:tc>
+                <a:tc>
+                  <a:txBody>
+                    <a:bodyPr/>
+                    <a:lstStyle/>
+                    <a:p>
+                      <a:pPr marL="0" marR="0" lvl="0" indent="0" algn="just">
+                        <a:lnSpc>
+                          <a:spcPct val="150000"/>
+                        </a:lnSpc>
+                        <a:buFont typeface="Arial" panose="020B0604020202020204" pitchFamily="34" charset="0"/>
+                        <a:buNone/>
+                      </a:pPr>
+                      <a:r>
+                        <a:rPr lang="en-US" sz="1400" dirty="0">
+                          <a:effectLst/>
+                        </a:rPr>
+                        <a:t>1.645959</a:t>
+                      </a:r>
+                      <a:endParaRPr lang="en-US" sz="1400" dirty="0">
+                        <a:effectLst/>
+                        <a:latin typeface="Times New Roman" panose="02020603050405020304" pitchFamily="18" charset="0"/>
+                        <a:ea typeface="SimSun" panose="02010600030101010101" pitchFamily="2" charset="-122"/>
+                      </a:endParaRPr>
+                    </a:p>
+                  </a:txBody>
+                  <a:tcPr marL="68580" marR="68580" marT="0" marB="0"/>
+                </a:tc>
+                <a:tc>
+                  <a:txBody>
+                    <a:bodyPr/>
+                    <a:lstStyle/>
+                    <a:p>
+                      <a:pPr marL="0" marR="0" lvl="0" indent="0" algn="just">
+                        <a:lnSpc>
+                          <a:spcPct val="150000"/>
+                        </a:lnSpc>
+                        <a:buFont typeface="Arial" panose="020B0604020202020204" pitchFamily="34" charset="0"/>
+                        <a:buNone/>
+                      </a:pPr>
+                      <a:r>
+                        <a:rPr lang="en-US" sz="1400" dirty="0">
+                          <a:effectLst/>
+                        </a:rPr>
+                        <a:t>0.791092</a:t>
+                      </a:r>
+                      <a:endParaRPr lang="en-US" sz="1400" dirty="0">
+                        <a:effectLst/>
+                        <a:latin typeface="Times New Roman" panose="02020603050405020304" pitchFamily="18" charset="0"/>
+                        <a:ea typeface="SimSun" panose="02010600030101010101" pitchFamily="2" charset="-122"/>
+                      </a:endParaRPr>
+                    </a:p>
+                  </a:txBody>
+                  <a:tcPr marL="68580" marR="68580" marT="0" marB="0"/>
+                </a:tc>
+                <a:tc>
+                  <a:txBody>
+                    <a:bodyPr/>
+                    <a:lstStyle/>
+                    <a:p>
+                      <a:pPr marL="0" marR="0" lvl="0" indent="0" algn="just">
+                        <a:lnSpc>
+                          <a:spcPct val="150000"/>
+                        </a:lnSpc>
+                        <a:buFont typeface="Arial" panose="020B0604020202020204" pitchFamily="34" charset="0"/>
+                        <a:buNone/>
+                      </a:pPr>
+                      <a:r>
+                        <a:rPr lang="en-US" sz="1400" dirty="0">
+                          <a:effectLst/>
+                        </a:rPr>
+                        <a:t>1.141199</a:t>
+                      </a:r>
+                      <a:endParaRPr lang="en-US" sz="1400" dirty="0">
+                        <a:effectLst/>
+                        <a:latin typeface="Times New Roman" panose="02020603050405020304" pitchFamily="18" charset="0"/>
+                        <a:ea typeface="SimSun" panose="02010600030101010101" pitchFamily="2" charset="-122"/>
+                      </a:endParaRPr>
+                    </a:p>
+                  </a:txBody>
+                  <a:tcPr marL="68580" marR="68580" marT="0" marB="0"/>
+                </a:tc>
+                <a:tc>
+                  <a:txBody>
+                    <a:bodyPr/>
+                    <a:lstStyle/>
+                    <a:p>
+                      <a:pPr marL="0" marR="0" lvl="0" indent="0" algn="just">
+                        <a:lnSpc>
+                          <a:spcPct val="150000"/>
+                        </a:lnSpc>
+                        <a:buFont typeface="Arial" panose="020B0604020202020204" pitchFamily="34" charset="0"/>
+                        <a:buNone/>
+                      </a:pPr>
+                      <a:r>
+                        <a:rPr lang="en-US" sz="1400" dirty="0">
+                          <a:effectLst/>
+                        </a:rPr>
+                        <a:t>0.860126</a:t>
+                      </a:r>
+                      <a:endParaRPr lang="en-US" sz="1400" dirty="0">
+                        <a:effectLst/>
+                        <a:latin typeface="Times New Roman" panose="02020603050405020304" pitchFamily="18" charset="0"/>
+                        <a:ea typeface="SimSun" panose="02010600030101010101" pitchFamily="2" charset="-122"/>
+                      </a:endParaRPr>
+                    </a:p>
+                  </a:txBody>
+                  <a:tcPr marL="68580" marR="68580" marT="0" marB="0"/>
+                </a:tc>
+                <a:extLst>
+                  <a:ext uri="{0D108BD9-81ED-4DB2-BD59-A6C34878D82A}">
+                    <a16:rowId xmlns:a16="http://schemas.microsoft.com/office/drawing/2014/main" val="1208703378"/>
+                  </a:ext>
+                </a:extLst>
+              </a:tr>
+              <a:tr h="370953">
+                <a:tc>
+                  <a:txBody>
+                    <a:bodyPr/>
+                    <a:lstStyle/>
+                    <a:p>
+                      <a:pPr marL="0" marR="0" lvl="0" indent="0" algn="just">
+                        <a:lnSpc>
+                          <a:spcPct val="150000"/>
+                        </a:lnSpc>
+                        <a:buFont typeface="Arial" panose="020B0604020202020204" pitchFamily="34" charset="0"/>
+                        <a:buNone/>
+                      </a:pPr>
+                      <a:r>
+                        <a:rPr lang="en-US" sz="1400" dirty="0">
+                          <a:effectLst/>
+                        </a:rPr>
+                        <a:t>Gradient Boosting</a:t>
+                      </a:r>
+                      <a:endParaRPr lang="en-US" sz="1400" dirty="0">
+                        <a:effectLst/>
+                        <a:latin typeface="Times New Roman" panose="02020603050405020304" pitchFamily="18" charset="0"/>
+                        <a:ea typeface="SimSun" panose="02010600030101010101" pitchFamily="2" charset="-122"/>
+                      </a:endParaRPr>
+                    </a:p>
+                  </a:txBody>
+                  <a:tcPr marL="68580" marR="68580" marT="0" marB="0"/>
+                </a:tc>
+                <a:tc>
+                  <a:txBody>
+                    <a:bodyPr/>
+                    <a:lstStyle/>
+                    <a:p>
+                      <a:pPr marL="0" marR="0" lvl="0" indent="0" algn="just">
+                        <a:lnSpc>
+                          <a:spcPct val="150000"/>
+                        </a:lnSpc>
+                        <a:buFont typeface="Arial" panose="020B0604020202020204" pitchFamily="34" charset="0"/>
+                        <a:buNone/>
+                      </a:pPr>
+                      <a:r>
+                        <a:rPr lang="en-US" sz="1400" dirty="0">
+                          <a:effectLst/>
+                        </a:rPr>
+                        <a:t>1.739346</a:t>
+                      </a:r>
+                      <a:endParaRPr lang="en-US" sz="1400" dirty="0">
+                        <a:effectLst/>
+                        <a:latin typeface="Times New Roman" panose="02020603050405020304" pitchFamily="18" charset="0"/>
+                        <a:ea typeface="SimSun" panose="02010600030101010101" pitchFamily="2" charset="-122"/>
+                      </a:endParaRPr>
+                    </a:p>
+                  </a:txBody>
+                  <a:tcPr marL="68580" marR="68580" marT="0" marB="0"/>
+                </a:tc>
+                <a:tc>
+                  <a:txBody>
+                    <a:bodyPr/>
+                    <a:lstStyle/>
+                    <a:p>
+                      <a:pPr marL="0" marR="0" lvl="0" indent="0" algn="just">
+                        <a:lnSpc>
+                          <a:spcPct val="150000"/>
+                        </a:lnSpc>
+                        <a:buFont typeface="Arial" panose="020B0604020202020204" pitchFamily="34" charset="0"/>
+                        <a:buNone/>
+                      </a:pPr>
+                      <a:r>
+                        <a:rPr lang="en-US" sz="1400" dirty="0">
+                          <a:effectLst/>
+                        </a:rPr>
+                        <a:t>0.779239</a:t>
+                      </a:r>
+                      <a:endParaRPr lang="en-US" sz="1400" dirty="0">
+                        <a:effectLst/>
+                        <a:latin typeface="Times New Roman" panose="02020603050405020304" pitchFamily="18" charset="0"/>
+                        <a:ea typeface="SimSun" panose="02010600030101010101" pitchFamily="2" charset="-122"/>
+                      </a:endParaRPr>
+                    </a:p>
+                  </a:txBody>
+                  <a:tcPr marL="68580" marR="68580" marT="0" marB="0"/>
+                </a:tc>
+                <a:tc>
+                  <a:txBody>
+                    <a:bodyPr/>
+                    <a:lstStyle/>
+                    <a:p>
+                      <a:pPr marL="0" marR="0" lvl="0" indent="0" algn="just">
+                        <a:lnSpc>
+                          <a:spcPct val="150000"/>
+                        </a:lnSpc>
+                        <a:buFont typeface="Arial" panose="020B0604020202020204" pitchFamily="34" charset="0"/>
+                        <a:buNone/>
+                      </a:pPr>
+                      <a:r>
+                        <a:rPr lang="en-US" sz="1400" dirty="0">
+                          <a:effectLst/>
+                        </a:rPr>
+                        <a:t>0.731382	</a:t>
+                      </a:r>
+                      <a:endParaRPr lang="en-US" sz="1400" dirty="0">
+                        <a:effectLst/>
+                        <a:latin typeface="Times New Roman" panose="02020603050405020304" pitchFamily="18" charset="0"/>
+                        <a:ea typeface="SimSun" panose="02010600030101010101" pitchFamily="2" charset="-122"/>
+                      </a:endParaRPr>
+                    </a:p>
+                  </a:txBody>
+                  <a:tcPr marL="68580" marR="68580" marT="0" marB="0"/>
+                </a:tc>
+                <a:tc>
+                  <a:txBody>
+                    <a:bodyPr/>
+                    <a:lstStyle/>
+                    <a:p>
+                      <a:pPr marL="0" marR="0" lvl="0" indent="0" algn="just">
+                        <a:lnSpc>
+                          <a:spcPct val="150000"/>
+                        </a:lnSpc>
+                        <a:buFont typeface="Arial" panose="020B0604020202020204" pitchFamily="34" charset="0"/>
+                        <a:buNone/>
+                      </a:pPr>
+                      <a:r>
+                        <a:rPr lang="en-US" sz="1400" dirty="0">
+                          <a:effectLst/>
+                        </a:rPr>
+                        <a:t>0.910356</a:t>
+                      </a:r>
+                      <a:endParaRPr lang="en-US" sz="1400" dirty="0">
+                        <a:effectLst/>
+                        <a:latin typeface="Times New Roman" panose="02020603050405020304" pitchFamily="18" charset="0"/>
+                        <a:ea typeface="SimSun" panose="02010600030101010101" pitchFamily="2" charset="-122"/>
+                      </a:endParaRPr>
+                    </a:p>
+                  </a:txBody>
+                  <a:tcPr marL="68580" marR="68580" marT="0" marB="0"/>
+                </a:tc>
+                <a:extLst>
+                  <a:ext uri="{0D108BD9-81ED-4DB2-BD59-A6C34878D82A}">
+                    <a16:rowId xmlns:a16="http://schemas.microsoft.com/office/drawing/2014/main" val="4202579964"/>
+                  </a:ext>
+                </a:extLst>
+              </a:tr>
+              <a:tr h="370953">
+                <a:tc>
+                  <a:txBody>
+                    <a:bodyPr/>
+                    <a:lstStyle/>
+                    <a:p>
+                      <a:pPr marL="0" marR="0" lvl="0" indent="0" algn="just">
+                        <a:lnSpc>
+                          <a:spcPct val="150000"/>
+                        </a:lnSpc>
+                        <a:buFont typeface="Arial" panose="020B0604020202020204" pitchFamily="34" charset="0"/>
+                        <a:buNone/>
+                      </a:pPr>
+                      <a:r>
+                        <a:rPr lang="en-US" sz="1400" dirty="0">
+                          <a:effectLst/>
+                        </a:rPr>
+                        <a:t>SVR</a:t>
+                      </a:r>
+                      <a:endParaRPr lang="en-US" sz="1400" dirty="0">
+                        <a:effectLst/>
+                        <a:latin typeface="Times New Roman" panose="02020603050405020304" pitchFamily="18" charset="0"/>
+                        <a:ea typeface="SimSun" panose="02010600030101010101" pitchFamily="2" charset="-122"/>
+                      </a:endParaRPr>
+                    </a:p>
+                  </a:txBody>
+                  <a:tcPr marL="68580" marR="68580" marT="0" marB="0"/>
+                </a:tc>
+                <a:tc>
+                  <a:txBody>
+                    <a:bodyPr/>
+                    <a:lstStyle/>
+                    <a:p>
+                      <a:pPr marL="0" marR="0" lvl="0" indent="0" algn="just">
+                        <a:lnSpc>
+                          <a:spcPct val="150000"/>
+                        </a:lnSpc>
+                        <a:buFont typeface="Arial" panose="020B0604020202020204" pitchFamily="34" charset="0"/>
+                        <a:buNone/>
+                      </a:pPr>
+                      <a:r>
+                        <a:rPr lang="en-US" sz="1400" dirty="0">
+                          <a:effectLst/>
+                        </a:rPr>
+                        <a:t>1.716774</a:t>
+                      </a:r>
+                      <a:endParaRPr lang="en-US" sz="1400" dirty="0">
+                        <a:effectLst/>
+                        <a:latin typeface="Times New Roman" panose="02020603050405020304" pitchFamily="18" charset="0"/>
+                        <a:ea typeface="SimSun" panose="02010600030101010101" pitchFamily="2" charset="-122"/>
+                      </a:endParaRPr>
+                    </a:p>
+                  </a:txBody>
+                  <a:tcPr marL="68580" marR="68580" marT="0" marB="0"/>
+                </a:tc>
+                <a:tc>
+                  <a:txBody>
+                    <a:bodyPr/>
+                    <a:lstStyle/>
+                    <a:p>
+                      <a:pPr marL="0" marR="0" lvl="0" indent="0" algn="just">
+                        <a:lnSpc>
+                          <a:spcPct val="150000"/>
+                        </a:lnSpc>
+                        <a:buFont typeface="Arial" panose="020B0604020202020204" pitchFamily="34" charset="0"/>
+                        <a:buNone/>
+                      </a:pPr>
+                      <a:r>
+                        <a:rPr lang="en-US" sz="1400" dirty="0">
+                          <a:effectLst/>
+                        </a:rPr>
+                        <a:t>0.782104</a:t>
+                      </a:r>
+                      <a:endParaRPr lang="en-US" sz="1400" dirty="0">
+                        <a:effectLst/>
+                        <a:latin typeface="Times New Roman" panose="02020603050405020304" pitchFamily="18" charset="0"/>
+                        <a:ea typeface="SimSun" panose="02010600030101010101" pitchFamily="2" charset="-122"/>
+                      </a:endParaRPr>
+                    </a:p>
+                  </a:txBody>
+                  <a:tcPr marL="68580" marR="68580" marT="0" marB="0"/>
+                </a:tc>
+                <a:tc>
+                  <a:txBody>
+                    <a:bodyPr/>
+                    <a:lstStyle/>
+                    <a:p>
+                      <a:pPr marL="0" marR="0" lvl="0" indent="0" algn="just">
+                        <a:lnSpc>
+                          <a:spcPct val="150000"/>
+                        </a:lnSpc>
+                        <a:buFont typeface="Arial" panose="020B0604020202020204" pitchFamily="34" charset="0"/>
+                        <a:buNone/>
+                      </a:pPr>
+                      <a:r>
+                        <a:rPr lang="en-US" sz="1400" dirty="0">
+                          <a:effectLst/>
+                        </a:rPr>
+                        <a:t>0.475553</a:t>
+                      </a:r>
+                      <a:endParaRPr lang="en-US" sz="1400" dirty="0">
+                        <a:effectLst/>
+                        <a:latin typeface="Times New Roman" panose="02020603050405020304" pitchFamily="18" charset="0"/>
+                        <a:ea typeface="SimSun" panose="02010600030101010101" pitchFamily="2" charset="-122"/>
+                      </a:endParaRPr>
+                    </a:p>
+                  </a:txBody>
+                  <a:tcPr marL="68580" marR="68580" marT="0" marB="0"/>
+                </a:tc>
+                <a:tc>
+                  <a:txBody>
+                    <a:bodyPr/>
+                    <a:lstStyle/>
+                    <a:p>
+                      <a:pPr marL="0" marR="0" lvl="0" indent="0" algn="just">
+                        <a:lnSpc>
+                          <a:spcPct val="150000"/>
+                        </a:lnSpc>
+                        <a:buFont typeface="Arial" panose="020B0604020202020204" pitchFamily="34" charset="0"/>
+                        <a:buNone/>
+                      </a:pPr>
+                      <a:r>
+                        <a:rPr lang="en-US" sz="1400" dirty="0">
+                          <a:effectLst/>
+                        </a:rPr>
+                        <a:t>0.941713</a:t>
+                      </a:r>
+                      <a:endParaRPr lang="en-US" sz="1400" dirty="0">
+                        <a:effectLst/>
+                        <a:latin typeface="Times New Roman" panose="02020603050405020304" pitchFamily="18" charset="0"/>
+                        <a:ea typeface="SimSun" panose="02010600030101010101" pitchFamily="2" charset="-122"/>
+                      </a:endParaRPr>
+                    </a:p>
+                  </a:txBody>
+                  <a:tcPr marL="68580" marR="68580" marT="0" marB="0"/>
+                </a:tc>
+                <a:extLst>
+                  <a:ext uri="{0D108BD9-81ED-4DB2-BD59-A6C34878D82A}">
+                    <a16:rowId xmlns:a16="http://schemas.microsoft.com/office/drawing/2014/main" val="2721992957"/>
+                  </a:ext>
+                </a:extLst>
+              </a:tr>
+              <a:tr h="370953">
+                <a:tc>
+                  <a:txBody>
+                    <a:bodyPr/>
+                    <a:lstStyle/>
+                    <a:p>
+                      <a:pPr marL="0" marR="0" lvl="0" indent="0" algn="just">
+                        <a:lnSpc>
+                          <a:spcPct val="150000"/>
+                        </a:lnSpc>
+                        <a:buFont typeface="Arial" panose="020B0604020202020204" pitchFamily="34" charset="0"/>
+                        <a:buNone/>
+                      </a:pPr>
+                      <a:r>
+                        <a:rPr lang="en-US" sz="1400" dirty="0">
+                          <a:effectLst/>
+                        </a:rPr>
+                        <a:t>KNN</a:t>
+                      </a:r>
+                      <a:endParaRPr lang="en-US" sz="1400" dirty="0">
+                        <a:effectLst/>
+                        <a:latin typeface="Times New Roman" panose="02020603050405020304" pitchFamily="18" charset="0"/>
+                        <a:ea typeface="SimSun" panose="02010600030101010101" pitchFamily="2" charset="-122"/>
+                      </a:endParaRPr>
+                    </a:p>
+                  </a:txBody>
+                  <a:tcPr marL="68580" marR="68580" marT="0" marB="0"/>
+                </a:tc>
+                <a:tc>
+                  <a:txBody>
+                    <a:bodyPr/>
+                    <a:lstStyle/>
+                    <a:p>
+                      <a:pPr marL="0" marR="0" lvl="0" indent="0" algn="just">
+                        <a:lnSpc>
+                          <a:spcPct val="150000"/>
+                        </a:lnSpc>
+                        <a:buFont typeface="Arial" panose="020B0604020202020204" pitchFamily="34" charset="0"/>
+                        <a:buNone/>
+                      </a:pPr>
+                      <a:r>
+                        <a:rPr lang="en-US" sz="1400" dirty="0">
+                          <a:effectLst/>
+                        </a:rPr>
+                        <a:t>1.976469</a:t>
+                      </a:r>
+                      <a:endParaRPr lang="en-US" sz="1400" dirty="0">
+                        <a:effectLst/>
+                        <a:latin typeface="Times New Roman" panose="02020603050405020304" pitchFamily="18" charset="0"/>
+                        <a:ea typeface="SimSun" panose="02010600030101010101" pitchFamily="2" charset="-122"/>
+                      </a:endParaRPr>
+                    </a:p>
+                  </a:txBody>
+                  <a:tcPr marL="68580" marR="68580" marT="0" marB="0"/>
+                </a:tc>
+                <a:tc>
+                  <a:txBody>
+                    <a:bodyPr/>
+                    <a:lstStyle/>
+                    <a:p>
+                      <a:pPr marL="0" marR="0" lvl="0" indent="0" algn="just">
+                        <a:lnSpc>
+                          <a:spcPct val="150000"/>
+                        </a:lnSpc>
+                        <a:buFont typeface="Arial" panose="020B0604020202020204" pitchFamily="34" charset="0"/>
+                        <a:buNone/>
+                      </a:pPr>
+                      <a:r>
+                        <a:rPr lang="en-US" sz="1400" dirty="0">
+                          <a:effectLst/>
+                        </a:rPr>
+                        <a:t>0.749143</a:t>
+                      </a:r>
+                      <a:endParaRPr lang="en-US" sz="1400" dirty="0">
+                        <a:effectLst/>
+                        <a:latin typeface="Times New Roman" panose="02020603050405020304" pitchFamily="18" charset="0"/>
+                        <a:ea typeface="SimSun" panose="02010600030101010101" pitchFamily="2" charset="-122"/>
+                      </a:endParaRPr>
+                    </a:p>
+                  </a:txBody>
+                  <a:tcPr marL="68580" marR="68580" marT="0" marB="0"/>
+                </a:tc>
+                <a:tc>
+                  <a:txBody>
+                    <a:bodyPr/>
+                    <a:lstStyle/>
+                    <a:p>
+                      <a:pPr marL="0" marR="0" lvl="0" indent="0" algn="just">
+                        <a:lnSpc>
+                          <a:spcPct val="150000"/>
+                        </a:lnSpc>
+                        <a:buFont typeface="Arial" panose="020B0604020202020204" pitchFamily="34" charset="0"/>
+                        <a:buNone/>
+                      </a:pPr>
+                      <a:r>
+                        <a:rPr lang="en-US" sz="1400" dirty="0">
+                          <a:effectLst/>
+                        </a:rPr>
+                        <a:t>0.788959</a:t>
+                      </a:r>
+                      <a:endParaRPr lang="en-US" sz="1400" dirty="0">
+                        <a:effectLst/>
+                        <a:latin typeface="Times New Roman" panose="02020603050405020304" pitchFamily="18" charset="0"/>
+                        <a:ea typeface="SimSun" panose="02010600030101010101" pitchFamily="2" charset="-122"/>
+                      </a:endParaRPr>
+                    </a:p>
+                  </a:txBody>
+                  <a:tcPr marL="68580" marR="68580" marT="0" marB="0"/>
+                </a:tc>
+                <a:tc>
+                  <a:txBody>
+                    <a:bodyPr/>
+                    <a:lstStyle/>
+                    <a:p>
+                      <a:pPr marL="0" marR="0" lvl="0" indent="0" algn="just">
+                        <a:lnSpc>
+                          <a:spcPct val="150000"/>
+                        </a:lnSpc>
+                        <a:buFont typeface="Arial" panose="020B0604020202020204" pitchFamily="34" charset="0"/>
+                        <a:buNone/>
+                      </a:pPr>
+                      <a:r>
+                        <a:rPr lang="en-US" sz="1400" dirty="0">
+                          <a:effectLst/>
+                        </a:rPr>
+                        <a:t>0.903299</a:t>
+                      </a:r>
+                      <a:endParaRPr lang="en-US" sz="1400" dirty="0">
+                        <a:effectLst/>
+                        <a:latin typeface="Times New Roman" panose="02020603050405020304" pitchFamily="18" charset="0"/>
+                        <a:ea typeface="SimSun" panose="02010600030101010101" pitchFamily="2" charset="-122"/>
+                      </a:endParaRPr>
+                    </a:p>
+                  </a:txBody>
+                  <a:tcPr marL="68580" marR="68580" marT="0" marB="0"/>
+                </a:tc>
+                <a:extLst>
+                  <a:ext uri="{0D108BD9-81ED-4DB2-BD59-A6C34878D82A}">
+                    <a16:rowId xmlns:a16="http://schemas.microsoft.com/office/drawing/2014/main" val="3425589363"/>
+                  </a:ext>
+                </a:extLst>
+              </a:tr>
+              <a:tr h="370953">
+                <a:tc>
+                  <a:txBody>
+                    <a:bodyPr/>
+                    <a:lstStyle/>
+                    <a:p>
+                      <a:pPr marL="0" marR="0" lvl="0" indent="0" algn="just">
+                        <a:lnSpc>
+                          <a:spcPct val="150000"/>
+                        </a:lnSpc>
+                        <a:buFont typeface="Arial" panose="020B0604020202020204" pitchFamily="34" charset="0"/>
+                        <a:buNone/>
+                      </a:pPr>
+                      <a:r>
+                        <a:rPr lang="en-US" sz="1400" dirty="0" err="1">
+                          <a:effectLst/>
+                        </a:rPr>
+                        <a:t>ElasticNet</a:t>
+                      </a:r>
+                      <a:endParaRPr lang="en-US" sz="1400" dirty="0">
+                        <a:effectLst/>
+                        <a:latin typeface="Times New Roman" panose="02020603050405020304" pitchFamily="18" charset="0"/>
+                        <a:ea typeface="SimSun" panose="02010600030101010101" pitchFamily="2" charset="-122"/>
+                      </a:endParaRPr>
+                    </a:p>
+                  </a:txBody>
+                  <a:tcPr marL="68580" marR="68580" marT="0" marB="0"/>
+                </a:tc>
+                <a:tc>
+                  <a:txBody>
+                    <a:bodyPr/>
+                    <a:lstStyle/>
+                    <a:p>
+                      <a:pPr marL="0" marR="0" lvl="0" indent="0" algn="just">
+                        <a:lnSpc>
+                          <a:spcPct val="150000"/>
+                        </a:lnSpc>
+                        <a:buFont typeface="Arial" panose="020B0604020202020204" pitchFamily="34" charset="0"/>
+                        <a:buNone/>
+                      </a:pPr>
+                      <a:r>
+                        <a:rPr lang="en-US" sz="1400" dirty="0">
+                          <a:effectLst/>
+                        </a:rPr>
+                        <a:t>1.732152</a:t>
+                      </a:r>
+                      <a:endParaRPr lang="en-US" sz="1400" dirty="0">
+                        <a:effectLst/>
+                        <a:latin typeface="Times New Roman" panose="02020603050405020304" pitchFamily="18" charset="0"/>
+                        <a:ea typeface="SimSun" panose="02010600030101010101" pitchFamily="2" charset="-122"/>
+                      </a:endParaRPr>
+                    </a:p>
+                  </a:txBody>
+                  <a:tcPr marL="68580" marR="68580" marT="0" marB="0"/>
+                </a:tc>
+                <a:tc>
+                  <a:txBody>
+                    <a:bodyPr/>
+                    <a:lstStyle/>
+                    <a:p>
+                      <a:pPr marL="0" marR="0" lvl="0" indent="0" algn="just">
+                        <a:lnSpc>
+                          <a:spcPct val="150000"/>
+                        </a:lnSpc>
+                        <a:buFont typeface="Arial" panose="020B0604020202020204" pitchFamily="34" charset="0"/>
+                        <a:buNone/>
+                      </a:pPr>
+                      <a:r>
+                        <a:rPr lang="en-US" sz="1400" dirty="0">
+                          <a:effectLst/>
+                        </a:rPr>
+                        <a:t>0.780152</a:t>
+                      </a:r>
+                      <a:endParaRPr lang="en-US" sz="1400" dirty="0">
+                        <a:effectLst/>
+                        <a:latin typeface="Times New Roman" panose="02020603050405020304" pitchFamily="18" charset="0"/>
+                        <a:ea typeface="SimSun" panose="02010600030101010101" pitchFamily="2" charset="-122"/>
+                      </a:endParaRPr>
+                    </a:p>
+                  </a:txBody>
+                  <a:tcPr marL="68580" marR="68580" marT="0" marB="0"/>
+                </a:tc>
+                <a:tc>
+                  <a:txBody>
+                    <a:bodyPr/>
+                    <a:lstStyle/>
+                    <a:p>
+                      <a:pPr marL="0" marR="0" lvl="0" indent="0" algn="just">
+                        <a:lnSpc>
+                          <a:spcPct val="150000"/>
+                        </a:lnSpc>
+                        <a:buFont typeface="Arial" panose="020B0604020202020204" pitchFamily="34" charset="0"/>
+                        <a:buNone/>
+                      </a:pPr>
+                      <a:r>
+                        <a:rPr lang="en-US" sz="1400" dirty="0">
+                          <a:effectLst/>
+                        </a:rPr>
+                        <a:t>0.486095</a:t>
+                      </a:r>
+                      <a:endParaRPr lang="en-US" sz="1400" dirty="0">
+                        <a:effectLst/>
+                        <a:latin typeface="Times New Roman" panose="02020603050405020304" pitchFamily="18" charset="0"/>
+                        <a:ea typeface="SimSun" panose="02010600030101010101" pitchFamily="2" charset="-122"/>
+                      </a:endParaRPr>
+                    </a:p>
+                  </a:txBody>
+                  <a:tcPr marL="68580" marR="68580" marT="0" marB="0"/>
+                </a:tc>
+                <a:tc>
+                  <a:txBody>
+                    <a:bodyPr/>
+                    <a:lstStyle/>
+                    <a:p>
+                      <a:pPr marL="0" marR="0" lvl="0" indent="0" algn="just">
+                        <a:lnSpc>
+                          <a:spcPct val="150000"/>
+                        </a:lnSpc>
+                        <a:buFont typeface="Arial" panose="020B0604020202020204" pitchFamily="34" charset="0"/>
+                        <a:buNone/>
+                      </a:pPr>
+                      <a:r>
+                        <a:rPr lang="en-US" sz="1400" dirty="0">
+                          <a:effectLst/>
+                        </a:rPr>
+                        <a:t>0.940421</a:t>
+                      </a:r>
+                      <a:endParaRPr lang="en-US" sz="1400" dirty="0">
+                        <a:effectLst/>
+                        <a:latin typeface="Times New Roman" panose="02020603050405020304" pitchFamily="18" charset="0"/>
+                        <a:ea typeface="SimSun" panose="02010600030101010101" pitchFamily="2" charset="-122"/>
+                      </a:endParaRPr>
+                    </a:p>
+                  </a:txBody>
+                  <a:tcPr marL="68580" marR="68580" marT="0" marB="0"/>
+                </a:tc>
+                <a:extLst>
+                  <a:ext uri="{0D108BD9-81ED-4DB2-BD59-A6C34878D82A}">
+                    <a16:rowId xmlns:a16="http://schemas.microsoft.com/office/drawing/2014/main" val="2607746480"/>
+                  </a:ext>
+                </a:extLst>
+              </a:tr>
+              <a:tr h="370953">
+                <a:tc>
+                  <a:txBody>
+                    <a:bodyPr/>
+                    <a:lstStyle/>
+                    <a:p>
+                      <a:pPr marL="0" marR="0" lvl="0" indent="0" algn="just">
+                        <a:lnSpc>
+                          <a:spcPct val="150000"/>
+                        </a:lnSpc>
+                        <a:buFont typeface="Arial" panose="020B0604020202020204" pitchFamily="34" charset="0"/>
+                        <a:buNone/>
+                      </a:pPr>
+                      <a:r>
+                        <a:rPr lang="en-US" sz="1400" dirty="0" err="1">
+                          <a:effectLst/>
+                        </a:rPr>
+                        <a:t>XGBoost</a:t>
+                      </a:r>
+                      <a:endParaRPr lang="en-US" sz="1400" dirty="0">
+                        <a:effectLst/>
+                        <a:latin typeface="Times New Roman" panose="02020603050405020304" pitchFamily="18" charset="0"/>
+                        <a:ea typeface="SimSun" panose="02010600030101010101" pitchFamily="2" charset="-122"/>
+                      </a:endParaRPr>
+                    </a:p>
+                  </a:txBody>
+                  <a:tcPr marL="68580" marR="68580" marT="0" marB="0"/>
+                </a:tc>
+                <a:tc>
+                  <a:txBody>
+                    <a:bodyPr/>
+                    <a:lstStyle/>
+                    <a:p>
+                      <a:pPr marL="0" marR="0" lvl="0" indent="0" algn="just">
+                        <a:lnSpc>
+                          <a:spcPct val="150000"/>
+                        </a:lnSpc>
+                        <a:buFont typeface="Arial" panose="020B0604020202020204" pitchFamily="34" charset="0"/>
+                        <a:buNone/>
+                      </a:pPr>
+                      <a:r>
+                        <a:rPr lang="en-US" sz="1400" dirty="0">
+                          <a:effectLst/>
+                        </a:rPr>
+                        <a:t>1.680703</a:t>
+                      </a:r>
+                      <a:endParaRPr lang="en-US" sz="1400" dirty="0">
+                        <a:effectLst/>
+                        <a:latin typeface="Times New Roman" panose="02020603050405020304" pitchFamily="18" charset="0"/>
+                        <a:ea typeface="SimSun" panose="02010600030101010101" pitchFamily="2" charset="-122"/>
+                      </a:endParaRPr>
+                    </a:p>
+                  </a:txBody>
+                  <a:tcPr marL="68580" marR="68580" marT="0" marB="0"/>
+                </a:tc>
+                <a:tc>
+                  <a:txBody>
+                    <a:bodyPr/>
+                    <a:lstStyle/>
+                    <a:p>
+                      <a:pPr marL="0" marR="0" lvl="0" indent="0" algn="just">
+                        <a:lnSpc>
+                          <a:spcPct val="150000"/>
+                        </a:lnSpc>
+                        <a:buFont typeface="Arial" panose="020B0604020202020204" pitchFamily="34" charset="0"/>
+                        <a:buNone/>
+                      </a:pPr>
+                      <a:r>
+                        <a:rPr lang="en-US" sz="1400" dirty="0">
+                          <a:effectLst/>
+                        </a:rPr>
+                        <a:t>0.786682</a:t>
+                      </a:r>
+                      <a:endParaRPr lang="en-US" sz="1400" dirty="0">
+                        <a:effectLst/>
+                        <a:latin typeface="Times New Roman" panose="02020603050405020304" pitchFamily="18" charset="0"/>
+                        <a:ea typeface="SimSun" panose="02010600030101010101" pitchFamily="2" charset="-122"/>
+                      </a:endParaRPr>
+                    </a:p>
+                  </a:txBody>
+                  <a:tcPr marL="68580" marR="68580" marT="0" marB="0"/>
+                </a:tc>
+                <a:tc>
+                  <a:txBody>
+                    <a:bodyPr/>
+                    <a:lstStyle/>
+                    <a:p>
+                      <a:pPr marL="0" marR="0" lvl="0" indent="0" algn="just">
+                        <a:lnSpc>
+                          <a:spcPct val="150000"/>
+                        </a:lnSpc>
+                        <a:buFont typeface="Arial" panose="020B0604020202020204" pitchFamily="34" charset="0"/>
+                        <a:buNone/>
+                      </a:pPr>
+                      <a:r>
+                        <a:rPr lang="en-US" sz="1400" dirty="0">
+                          <a:effectLst/>
+                        </a:rPr>
+                        <a:t>0.881356</a:t>
+                      </a:r>
+                      <a:endParaRPr lang="en-US" sz="1400" dirty="0">
+                        <a:effectLst/>
+                        <a:latin typeface="Times New Roman" panose="02020603050405020304" pitchFamily="18" charset="0"/>
+                        <a:ea typeface="SimSun" panose="02010600030101010101" pitchFamily="2" charset="-122"/>
+                      </a:endParaRPr>
+                    </a:p>
+                  </a:txBody>
+                  <a:tcPr marL="68580" marR="68580" marT="0" marB="0"/>
+                </a:tc>
+                <a:tc>
+                  <a:txBody>
+                    <a:bodyPr/>
+                    <a:lstStyle/>
+                    <a:p>
+                      <a:pPr marL="0" marR="0" lvl="0" indent="0" algn="just">
+                        <a:lnSpc>
+                          <a:spcPct val="150000"/>
+                        </a:lnSpc>
+                        <a:buFont typeface="Arial" panose="020B0604020202020204" pitchFamily="34" charset="0"/>
+                        <a:buNone/>
+                      </a:pPr>
+                      <a:r>
+                        <a:rPr lang="en-US" sz="1400" dirty="0">
+                          <a:effectLst/>
+                        </a:rPr>
+                        <a:t>0.891974</a:t>
+                      </a:r>
+                      <a:endParaRPr lang="en-US" sz="1400" dirty="0">
+                        <a:effectLst/>
+                        <a:latin typeface="Times New Roman" panose="02020603050405020304" pitchFamily="18" charset="0"/>
+                        <a:ea typeface="SimSun" panose="02010600030101010101" pitchFamily="2" charset="-122"/>
+                      </a:endParaRPr>
+                    </a:p>
+                  </a:txBody>
+                  <a:tcPr marL="68580" marR="68580" marT="0" marB="0"/>
+                </a:tc>
+                <a:extLst>
+                  <a:ext uri="{0D108BD9-81ED-4DB2-BD59-A6C34878D82A}">
+                    <a16:rowId xmlns:a16="http://schemas.microsoft.com/office/drawing/2014/main" val="3616553478"/>
+                  </a:ext>
+                </a:extLst>
+              </a:tr>
+              <a:tr h="370953">
+                <a:tc>
+                  <a:txBody>
+                    <a:bodyPr/>
+                    <a:lstStyle/>
+                    <a:p>
+                      <a:pPr marL="0" marR="0" lvl="0" indent="0" algn="just">
+                        <a:lnSpc>
+                          <a:spcPct val="150000"/>
+                        </a:lnSpc>
+                        <a:buFont typeface="Arial" panose="020B0604020202020204" pitchFamily="34" charset="0"/>
+                        <a:buNone/>
+                      </a:pPr>
+                      <a:r>
+                        <a:rPr lang="en-US" sz="1400" dirty="0" err="1">
+                          <a:effectLst/>
+                        </a:rPr>
+                        <a:t>LightGBM</a:t>
+                      </a:r>
+                      <a:endParaRPr lang="en-US" sz="1400" dirty="0">
+                        <a:effectLst/>
+                        <a:latin typeface="Times New Roman" panose="02020603050405020304" pitchFamily="18" charset="0"/>
+                        <a:ea typeface="SimSun" panose="02010600030101010101" pitchFamily="2" charset="-122"/>
+                      </a:endParaRPr>
+                    </a:p>
+                  </a:txBody>
+                  <a:tcPr marL="68580" marR="68580" marT="0" marB="0"/>
+                </a:tc>
+                <a:tc>
+                  <a:txBody>
+                    <a:bodyPr/>
+                    <a:lstStyle/>
+                    <a:p>
+                      <a:pPr marL="0" marR="0" lvl="0" indent="0" algn="just">
+                        <a:lnSpc>
+                          <a:spcPct val="150000"/>
+                        </a:lnSpc>
+                        <a:buFont typeface="Arial" panose="020B0604020202020204" pitchFamily="34" charset="0"/>
+                        <a:buNone/>
+                      </a:pPr>
+                      <a:r>
+                        <a:rPr lang="en-US" sz="1400" dirty="0">
+                          <a:effectLst/>
+                        </a:rPr>
+                        <a:t>1.667953</a:t>
+                      </a:r>
+                      <a:endParaRPr lang="en-US" sz="1400" dirty="0">
+                        <a:effectLst/>
+                        <a:latin typeface="Times New Roman" panose="02020603050405020304" pitchFamily="18" charset="0"/>
+                        <a:ea typeface="SimSun" panose="02010600030101010101" pitchFamily="2" charset="-122"/>
+                      </a:endParaRPr>
+                    </a:p>
+                  </a:txBody>
+                  <a:tcPr marL="68580" marR="68580" marT="0" marB="0"/>
+                </a:tc>
+                <a:tc>
+                  <a:txBody>
+                    <a:bodyPr/>
+                    <a:lstStyle/>
+                    <a:p>
+                      <a:pPr marL="0" marR="0" lvl="0" indent="0" algn="just">
+                        <a:lnSpc>
+                          <a:spcPct val="150000"/>
+                        </a:lnSpc>
+                        <a:buFont typeface="Arial" panose="020B0604020202020204" pitchFamily="34" charset="0"/>
+                        <a:buNone/>
+                      </a:pPr>
+                      <a:r>
+                        <a:rPr lang="en-US" sz="1400" dirty="0">
+                          <a:effectLst/>
+                        </a:rPr>
+                        <a:t>0.788300</a:t>
+                      </a:r>
+                      <a:endParaRPr lang="en-US" sz="1400" dirty="0">
+                        <a:effectLst/>
+                        <a:latin typeface="Times New Roman" panose="02020603050405020304" pitchFamily="18" charset="0"/>
+                        <a:ea typeface="SimSun" panose="02010600030101010101" pitchFamily="2" charset="-122"/>
+                      </a:endParaRPr>
+                    </a:p>
+                  </a:txBody>
+                  <a:tcPr marL="68580" marR="68580" marT="0" marB="0"/>
+                </a:tc>
+                <a:tc>
+                  <a:txBody>
+                    <a:bodyPr/>
+                    <a:lstStyle/>
+                    <a:p>
+                      <a:pPr marL="0" marR="0" lvl="0" indent="0" algn="just">
+                        <a:lnSpc>
+                          <a:spcPct val="150000"/>
+                        </a:lnSpc>
+                        <a:buFont typeface="Arial" panose="020B0604020202020204" pitchFamily="34" charset="0"/>
+                        <a:buNone/>
+                      </a:pPr>
+                      <a:r>
+                        <a:rPr lang="en-US" sz="1400" dirty="0">
+                          <a:effectLst/>
+                        </a:rPr>
+                        <a:t>0.906749</a:t>
+                      </a:r>
+                      <a:endParaRPr lang="en-US" sz="1400" dirty="0">
+                        <a:effectLst/>
+                        <a:latin typeface="Times New Roman" panose="02020603050405020304" pitchFamily="18" charset="0"/>
+                        <a:ea typeface="SimSun" panose="02010600030101010101" pitchFamily="2" charset="-122"/>
+                      </a:endParaRPr>
+                    </a:p>
+                  </a:txBody>
+                  <a:tcPr marL="68580" marR="68580" marT="0" marB="0"/>
+                </a:tc>
+                <a:tc>
+                  <a:txBody>
+                    <a:bodyPr/>
+                    <a:lstStyle/>
+                    <a:p>
+                      <a:pPr marL="0" marR="0" lvl="0" indent="0" algn="just">
+                        <a:lnSpc>
+                          <a:spcPct val="150000"/>
+                        </a:lnSpc>
+                        <a:buFont typeface="Arial" panose="020B0604020202020204" pitchFamily="34" charset="0"/>
+                        <a:buNone/>
+                      </a:pPr>
+                      <a:r>
+                        <a:rPr lang="en-US" sz="1400" dirty="0">
+                          <a:effectLst/>
+                        </a:rPr>
+                        <a:t>0.888862</a:t>
+                      </a:r>
+                      <a:endParaRPr lang="en-US" sz="1400" dirty="0">
+                        <a:effectLst/>
+                        <a:latin typeface="Times New Roman" panose="02020603050405020304" pitchFamily="18" charset="0"/>
+                        <a:ea typeface="SimSun" panose="02010600030101010101" pitchFamily="2" charset="-122"/>
+                      </a:endParaRPr>
+                    </a:p>
+                  </a:txBody>
+                  <a:tcPr marL="68580" marR="68580" marT="0" marB="0"/>
+                </a:tc>
+                <a:extLst>
+                  <a:ext uri="{0D108BD9-81ED-4DB2-BD59-A6C34878D82A}">
+                    <a16:rowId xmlns:a16="http://schemas.microsoft.com/office/drawing/2014/main" val="1244598370"/>
+                  </a:ext>
+                </a:extLst>
+              </a:tr>
+              <a:tr h="370953">
+                <a:tc>
+                  <a:txBody>
+                    <a:bodyPr/>
+                    <a:lstStyle/>
+                    <a:p>
+                      <a:pPr marL="0" marR="0" lvl="0" indent="0" algn="just">
+                        <a:lnSpc>
+                          <a:spcPct val="150000"/>
+                        </a:lnSpc>
+                        <a:buFont typeface="Arial" panose="020B0604020202020204" pitchFamily="34" charset="0"/>
+                        <a:buNone/>
+                      </a:pPr>
+                      <a:r>
+                        <a:rPr lang="en-US" sz="1400" dirty="0" err="1">
+                          <a:effectLst/>
+                        </a:rPr>
+                        <a:t>CatBoost</a:t>
+                      </a:r>
+                      <a:endParaRPr lang="en-US" sz="1400" dirty="0">
+                        <a:effectLst/>
+                        <a:latin typeface="Times New Roman" panose="02020603050405020304" pitchFamily="18" charset="0"/>
+                        <a:ea typeface="SimSun" panose="02010600030101010101" pitchFamily="2" charset="-122"/>
+                      </a:endParaRPr>
+                    </a:p>
+                  </a:txBody>
+                  <a:tcPr marL="68580" marR="68580" marT="0" marB="0"/>
+                </a:tc>
+                <a:tc>
+                  <a:txBody>
+                    <a:bodyPr/>
+                    <a:lstStyle/>
+                    <a:p>
+                      <a:pPr marL="0" marR="0" lvl="0" indent="0" algn="just">
+                        <a:lnSpc>
+                          <a:spcPct val="150000"/>
+                        </a:lnSpc>
+                        <a:buFont typeface="Arial" panose="020B0604020202020204" pitchFamily="34" charset="0"/>
+                        <a:buNone/>
+                      </a:pPr>
+                      <a:r>
+                        <a:rPr lang="en-US" sz="1400" dirty="0">
+                          <a:effectLst/>
+                        </a:rPr>
+                        <a:t>1.634175</a:t>
+                      </a:r>
+                      <a:endParaRPr lang="en-US" sz="1400" dirty="0">
+                        <a:effectLst/>
+                        <a:latin typeface="Times New Roman" panose="02020603050405020304" pitchFamily="18" charset="0"/>
+                        <a:ea typeface="SimSun" panose="02010600030101010101" pitchFamily="2" charset="-122"/>
+                      </a:endParaRPr>
+                    </a:p>
+                  </a:txBody>
+                  <a:tcPr marL="68580" marR="68580" marT="0" marB="0"/>
+                </a:tc>
+                <a:tc>
+                  <a:txBody>
+                    <a:bodyPr/>
+                    <a:lstStyle/>
+                    <a:p>
+                      <a:pPr marL="0" marR="0" lvl="0" indent="0" algn="just">
+                        <a:lnSpc>
+                          <a:spcPct val="150000"/>
+                        </a:lnSpc>
+                        <a:buFont typeface="Arial" panose="020B0604020202020204" pitchFamily="34" charset="0"/>
+                        <a:buNone/>
+                      </a:pPr>
+                      <a:r>
+                        <a:rPr lang="en-US" sz="1400" dirty="0">
+                          <a:effectLst/>
+                        </a:rPr>
+                        <a:t>0.792587</a:t>
+                      </a:r>
+                      <a:endParaRPr lang="en-US" sz="1400" dirty="0">
+                        <a:effectLst/>
+                        <a:latin typeface="Times New Roman" panose="02020603050405020304" pitchFamily="18" charset="0"/>
+                        <a:ea typeface="SimSun" panose="02010600030101010101" pitchFamily="2" charset="-122"/>
+                      </a:endParaRPr>
+                    </a:p>
+                  </a:txBody>
+                  <a:tcPr marL="68580" marR="68580" marT="0" marB="0"/>
+                </a:tc>
+                <a:tc>
+                  <a:txBody>
+                    <a:bodyPr/>
+                    <a:lstStyle/>
+                    <a:p>
+                      <a:pPr marL="0" marR="0" lvl="0" indent="0" algn="just">
+                        <a:lnSpc>
+                          <a:spcPct val="150000"/>
+                        </a:lnSpc>
+                        <a:buFont typeface="Arial" panose="020B0604020202020204" pitchFamily="34" charset="0"/>
+                        <a:buNone/>
+                      </a:pPr>
+                      <a:r>
+                        <a:rPr lang="en-US" sz="1400" dirty="0">
+                          <a:effectLst/>
+                        </a:rPr>
+                        <a:t>1.078971</a:t>
+                      </a:r>
+                      <a:endParaRPr lang="en-US" sz="1400" dirty="0">
+                        <a:effectLst/>
+                        <a:latin typeface="Times New Roman" panose="02020603050405020304" pitchFamily="18" charset="0"/>
+                        <a:ea typeface="SimSun" panose="02010600030101010101" pitchFamily="2" charset="-122"/>
+                      </a:endParaRPr>
+                    </a:p>
+                  </a:txBody>
+                  <a:tcPr marL="68580" marR="68580" marT="0" marB="0"/>
+                </a:tc>
+                <a:tc>
+                  <a:txBody>
+                    <a:bodyPr/>
+                    <a:lstStyle/>
+                    <a:p>
+                      <a:pPr marL="0" marR="0" lvl="0" indent="0" algn="just">
+                        <a:lnSpc>
+                          <a:spcPct val="150000"/>
+                        </a:lnSpc>
+                        <a:buFont typeface="Arial" panose="020B0604020202020204" pitchFamily="34" charset="0"/>
+                        <a:buNone/>
+                      </a:pPr>
+                      <a:r>
+                        <a:rPr lang="en-US" sz="1400" dirty="0">
+                          <a:effectLst/>
+                        </a:rPr>
+                        <a:t>0.867753</a:t>
+                      </a:r>
+                      <a:endParaRPr lang="en-US" sz="1400" dirty="0">
+                        <a:effectLst/>
+                        <a:latin typeface="Times New Roman" panose="02020603050405020304" pitchFamily="18" charset="0"/>
+                        <a:ea typeface="SimSun" panose="02010600030101010101" pitchFamily="2" charset="-122"/>
+                      </a:endParaRPr>
+                    </a:p>
+                  </a:txBody>
+                  <a:tcPr marL="68580" marR="68580" marT="0" marB="0"/>
+                </a:tc>
+                <a:extLst>
+                  <a:ext uri="{0D108BD9-81ED-4DB2-BD59-A6C34878D82A}">
+                    <a16:rowId xmlns:a16="http://schemas.microsoft.com/office/drawing/2014/main" val="3439361897"/>
+                  </a:ext>
+                </a:extLst>
+              </a:tr>
+            </a:tbl>
+          </a:graphicData>
+        </a:graphic>
+      </p:graphicFrame>
+      <p:sp>
+        <p:nvSpPr>
+          <p:cNvPr id="7" name="TextBox 6">
+            <a:extLst>
+              <a:ext uri="{FF2B5EF4-FFF2-40B4-BE49-F238E27FC236}">
+                <a16:creationId xmlns:a16="http://schemas.microsoft.com/office/drawing/2014/main" id="{E29F0923-290A-3038-1EFF-7E821365C640}"/>
+              </a:ext>
+            </a:extLst>
+          </p:cNvPr>
+          <p:cNvSpPr txBox="1"/>
+          <p:nvPr/>
+        </p:nvSpPr>
+        <p:spPr>
           <a:xfrm>
-            <a:off x="685800" y="1696998"/>
-            <a:ext cx="10591800" cy="2251065"/>
+            <a:off x="8001000" y="2209800"/>
+            <a:ext cx="4912360" cy="1815882"/>
           </a:xfrm>
           <a:prstGeom prst="rect">
             <a:avLst/>
           </a:prstGeom>
           <a:noFill/>
-          <a:ln>
-            <a:noFill/>
-          </a:ln>
-          <a:effectLst/>
-          <a:extLst>
-            <a:ext uri="{909E8E84-426E-40DD-AFC4-6F175D3DCCD1}">
-              <a14:hiddenFill xmlns:a14="http://schemas.microsoft.com/office/drawing/2010/main">
-                <a:solidFill>
-                  <a:schemeClr val="accent1"/>
-                </a:solidFill>
-              </a14:hiddenFill>
-            </a:ext>
-            <a:ext uri="{91240B29-F687-4F45-9708-019B960494DF}">
-              <a14:hiddenLine xmlns:a14="http://schemas.microsoft.com/office/drawing/2010/main" w="9525">
-                <a:solidFill>
-                  <a:schemeClr val="tx1"/>
-                </a:solidFill>
-                <a:miter lim="800000"/>
-                <a:headEnd/>
-                <a:tailEnd/>
-              </a14:hiddenLine>
-            </a:ext>
-            <a:ext uri="{AF507438-7753-43E0-B8FC-AC1667EBCBE1}">
-              <a14:hiddenEffects xmlns:a14="http://schemas.microsoft.com/office/drawing/2010/main">
-                <a:effectLst>
-                  <a:outerShdw dist="35921" dir="2700000" algn="ctr" rotWithShape="0">
-                    <a:schemeClr val="bg2"/>
-                  </a:outerShdw>
-                </a:effectLst>
-              </a14:hiddenEffects>
-            </a:ext>
-          </a:extLst>
         </p:spPr>
         <p:txBody>
-          <a:bodyPr vert="horz" wrap="square" lIns="91440" tIns="45720" rIns="91440" bIns="45720" numCol="1" anchor="ctr" anchorCtr="0" compatLnSpc="1">
-            <a:prstTxWarp prst="textNoShape">
-              <a:avLst/>
-            </a:prstTxWarp>
+          <a:bodyPr wrap="square">
             <a:spAutoFit/>
           </a:bodyPr>
           <a:lstStyle/>
           <a:p>
-            <a:pPr marL="0" marR="0" lvl="0" indent="0" algn="just" defTabSz="914400" rtl="0" eaLnBrk="0" fontAlgn="base" latinLnBrk="0" hangingPunct="0">
-              <a:lnSpc>
-                <a:spcPct val="150000"/>
-              </a:lnSpc>
-              <a:spcBef>
-                <a:spcPct val="0"/>
-              </a:spcBef>
-              <a:spcAft>
-                <a:spcPct val="0"/>
-              </a:spcAft>
-              <a:buClrTx/>
-              <a:buSzTx/>
-              <a:buFontTx/>
-              <a:buNone/>
-              <a:tabLst/>
-            </a:pPr>
-            <a:r>
-              <a:rPr kumimoji="0" lang="en-US" altLang="en-US" sz="2400" b="0" i="0" u="none" strike="noStrike" cap="none" normalizeH="0" baseline="0" dirty="0">
-                <a:ln>
-                  <a:noFill/>
-                </a:ln>
-                <a:solidFill>
-                  <a:schemeClr val="tx1"/>
-                </a:solidFill>
-                <a:effectLst/>
-              </a:rPr>
-              <a:t>The study demonstrates that machine learning models can effectively predict student stress and smartphone addiction, providing valuable insights for intervention. These findings offer a foundation for educational institutions to implement targeted support systems for student well-being.</a:t>
+            <a:r>
+              <a:rPr lang="en-US" sz="1600" dirty="0"/>
+              <a:t>Best Model for stress : </a:t>
+            </a:r>
+            <a:r>
+              <a:rPr lang="en-US" sz="1600" dirty="0" err="1"/>
+              <a:t>CatBoost</a:t>
+            </a:r>
+            <a:endParaRPr lang="en-US" sz="1600" dirty="0"/>
+          </a:p>
+          <a:p>
+            <a:r>
+              <a:rPr lang="en-US" sz="1600" dirty="0"/>
+              <a:t>Stress MSE = 1.634175</a:t>
+            </a:r>
+          </a:p>
+          <a:p>
+            <a:r>
+              <a:rPr lang="en-US" sz="1600" dirty="0"/>
+              <a:t>Stress R² = 0.792587 </a:t>
+            </a:r>
+          </a:p>
+          <a:p>
+            <a:endParaRPr lang="en-US" sz="1600" dirty="0"/>
+          </a:p>
+          <a:p>
+            <a:r>
+              <a:rPr lang="en-US" sz="1600" dirty="0"/>
+              <a:t>Best Model for Addiction:  Linear Regression</a:t>
+            </a:r>
+          </a:p>
+          <a:p>
+            <a:r>
+              <a:rPr lang="en-US" sz="1600" dirty="0"/>
+              <a:t>Addiction MSE = 0.377224</a:t>
+            </a:r>
+          </a:p>
+          <a:p>
+            <a:r>
+              <a:rPr lang="en-US" sz="1600" dirty="0"/>
+              <a:t>Addiction R² = 0.953765</a:t>
             </a:r>
           </a:p>
         </p:txBody>
@@ -6942,7 +8976,7 @@
     </p:spTree>
     <p:extLst>
       <p:ext uri="{BB962C8B-B14F-4D97-AF65-F5344CB8AC3E}">
-        <p14:creationId xmlns:p14="http://schemas.microsoft.com/office/powerpoint/2010/main" val="2873705979"/>
+        <p14:creationId xmlns:p14="http://schemas.microsoft.com/office/powerpoint/2010/main" val="1659567640"/>
       </p:ext>
     </p:extLst>
   </p:cSld>
@@ -6989,67 +9023,20 @@
           <a:bodyPr/>
           <a:lstStyle/>
           <a:p>
+            <a:r>
+              <a:rPr lang="en-US" dirty="0">
+                <a:solidFill>
+                  <a:srgbClr val="7030A0"/>
+                </a:solidFill>
+                <a:latin typeface="Times New Roman" pitchFamily="18" charset="0"/>
+                <a:cs typeface="Times New Roman" pitchFamily="18" charset="0"/>
+              </a:rPr>
+              <a:t>Conclusion</a:t>
+            </a:r>
             <a:endParaRPr lang="en-US" dirty="0">
               <a:solidFill>
                 <a:srgbClr val="7030A0"/>
               </a:solidFill>
-            </a:endParaRPr>
-          </a:p>
-        </p:txBody>
-      </p:sp>
-      <p:sp>
-        <p:nvSpPr>
-          <p:cNvPr id="3" name="Content Placeholder 2"/>
-          <p:cNvSpPr>
-            <a:spLocks noGrp="1"/>
-          </p:cNvSpPr>
-          <p:nvPr>
-            <p:ph sz="quarter" idx="13"/>
-          </p:nvPr>
-        </p:nvSpPr>
-        <p:spPr/>
-        <p:txBody>
-          <a:bodyPr>
-            <a:normAutofit/>
-          </a:bodyPr>
-          <a:lstStyle/>
-          <a:p>
-            <a:pPr marL="0" indent="0" algn="ctr">
-              <a:buNone/>
-            </a:pPr>
-            <a:endParaRPr lang="en-US" sz="6000" b="1" dirty="0">
-              <a:solidFill>
-                <a:srgbClr val="7030A0"/>
-              </a:solidFill>
-              <a:latin typeface="Times New Roman" pitchFamily="18" charset="0"/>
-              <a:cs typeface="Times New Roman" pitchFamily="18" charset="0"/>
-            </a:endParaRPr>
-          </a:p>
-          <a:p>
-            <a:pPr marL="0" indent="0" algn="ctr">
-              <a:buNone/>
-            </a:pPr>
-            <a:r>
-              <a:rPr lang="en-US" sz="6000" b="1" dirty="0">
-                <a:solidFill>
-                  <a:srgbClr val="7030A0"/>
-                </a:solidFill>
-                <a:latin typeface="Times New Roman" pitchFamily="18" charset="0"/>
-                <a:cs typeface="Times New Roman" pitchFamily="18" charset="0"/>
-              </a:rPr>
-              <a:t>THANK YOU</a:t>
-            </a:r>
-          </a:p>
-          <a:p>
-            <a:pPr marL="0" indent="0" algn="r">
-              <a:buNone/>
-            </a:pPr>
-            <a:endParaRPr lang="en-US" sz="3000" dirty="0">
-              <a:solidFill>
-                <a:schemeClr val="tx1"/>
-              </a:solidFill>
-              <a:latin typeface="Times New Roman" pitchFamily="18" charset="0"/>
-              <a:cs typeface="Times New Roman" pitchFamily="18" charset="0"/>
             </a:endParaRPr>
           </a:p>
         </p:txBody>
@@ -7083,10 +9070,105 @@
           </a:p>
         </p:txBody>
       </p:sp>
+      <p:sp>
+        <p:nvSpPr>
+          <p:cNvPr id="6" name="Rectangle 2">
+            <a:extLst>
+              <a:ext uri="{FF2B5EF4-FFF2-40B4-BE49-F238E27FC236}">
+                <a16:creationId xmlns:a16="http://schemas.microsoft.com/office/drawing/2014/main" id="{138B3F1F-9D10-CACF-591E-3D129734FD19}"/>
+              </a:ext>
+            </a:extLst>
+          </p:cNvPr>
+          <p:cNvSpPr>
+            <a:spLocks noGrp="1" noChangeArrowheads="1"/>
+          </p:cNvSpPr>
+          <p:nvPr>
+            <p:ph sz="quarter" idx="13"/>
+          </p:nvPr>
+        </p:nvSpPr>
+        <p:spPr bwMode="auto">
+          <a:xfrm>
+            <a:off x="685800" y="2037700"/>
+            <a:ext cx="10591800" cy="1569660"/>
+          </a:xfrm>
+          <a:prstGeom prst="rect">
+            <a:avLst/>
+          </a:prstGeom>
+          <a:noFill/>
+          <a:ln>
+            <a:noFill/>
+          </a:ln>
+          <a:effectLst/>
+          <a:extLst>
+            <a:ext uri="{909E8E84-426E-40DD-AFC4-6F175D3DCCD1}">
+              <a14:hiddenFill xmlns:a14="http://schemas.microsoft.com/office/drawing/2010/main">
+                <a:solidFill>
+                  <a:schemeClr val="accent1"/>
+                </a:solidFill>
+              </a14:hiddenFill>
+            </a:ext>
+            <a:ext uri="{91240B29-F687-4F45-9708-019B960494DF}">
+              <a14:hiddenLine xmlns:a14="http://schemas.microsoft.com/office/drawing/2010/main" w="9525">
+                <a:solidFill>
+                  <a:schemeClr val="tx1"/>
+                </a:solidFill>
+                <a:miter lim="800000"/>
+                <a:headEnd/>
+                <a:tailEnd/>
+              </a14:hiddenLine>
+            </a:ext>
+            <a:ext uri="{AF507438-7753-43E0-B8FC-AC1667EBCBE1}">
+              <a14:hiddenEffects xmlns:a14="http://schemas.microsoft.com/office/drawing/2010/main">
+                <a:effectLst>
+                  <a:outerShdw dist="35921" dir="2700000" algn="ctr" rotWithShape="0">
+                    <a:schemeClr val="bg2"/>
+                  </a:outerShdw>
+                </a:effectLst>
+              </a14:hiddenEffects>
+            </a:ext>
+          </a:extLst>
+        </p:spPr>
+        <p:txBody>
+          <a:bodyPr vert="horz" wrap="square" lIns="91440" tIns="45720" rIns="91440" bIns="45720" numCol="1" anchor="ctr" anchorCtr="0" compatLnSpc="1">
+            <a:prstTxWarp prst="textNoShape">
+              <a:avLst/>
+            </a:prstTxWarp>
+            <a:spAutoFit/>
+          </a:bodyPr>
+          <a:lstStyle/>
+          <a:p>
+            <a:pPr marL="0" marR="0" lvl="0" indent="0" algn="just" defTabSz="914400" rtl="0" eaLnBrk="0" fontAlgn="base" latinLnBrk="0" hangingPunct="0">
+              <a:spcBef>
+                <a:spcPct val="0"/>
+              </a:spcBef>
+              <a:spcAft>
+                <a:spcPct val="0"/>
+              </a:spcAft>
+              <a:buClrTx/>
+              <a:buSzTx/>
+              <a:buFontTx/>
+              <a:buNone/>
+              <a:tabLst/>
+            </a:pPr>
+            <a:r>
+              <a:rPr kumimoji="0" lang="en-US" altLang="en-US" sz="2400" b="0" i="0" u="none" strike="noStrike" cap="none" normalizeH="0" baseline="0" dirty="0">
+                <a:ln>
+                  <a:noFill/>
+                </a:ln>
+                <a:solidFill>
+                  <a:schemeClr val="tx1"/>
+                </a:solidFill>
+                <a:effectLst/>
+              </a:rPr>
+              <a:t>The study demonstrates that machine learning models can effectively predict student stress and smartphone addiction, providing valuable insights for intervention. These findings offer a foundation for educational institutions to implement targeted support systems for student well-being.</a:t>
+            </a:r>
+          </a:p>
+        </p:txBody>
+      </p:sp>
     </p:spTree>
     <p:extLst>
       <p:ext uri="{BB962C8B-B14F-4D97-AF65-F5344CB8AC3E}">
-        <p14:creationId xmlns:p14="http://schemas.microsoft.com/office/powerpoint/2010/main" val="2459516608"/>
+        <p14:creationId xmlns:p14="http://schemas.microsoft.com/office/powerpoint/2010/main" val="2873705979"/>
       </p:ext>
     </p:extLst>
   </p:cSld>
